--- a/Enterprise ship.pptx
+++ b/Enterprise ship.pptx
@@ -6,11 +6,12 @@
   </p:sldMasterIdLst>
   <p:sldIdLst>
     <p:sldId id="256" r:id="rId2"/>
-    <p:sldId id="257" r:id="rId3"/>
-    <p:sldId id="258" r:id="rId4"/>
-    <p:sldId id="259" r:id="rId5"/>
-    <p:sldId id="260" r:id="rId6"/>
-    <p:sldId id="261" r:id="rId7"/>
+    <p:sldId id="262" r:id="rId3"/>
+    <p:sldId id="257" r:id="rId4"/>
+    <p:sldId id="258" r:id="rId5"/>
+    <p:sldId id="259" r:id="rId6"/>
+    <p:sldId id="260" r:id="rId7"/>
+    <p:sldId id="261" r:id="rId8"/>
   </p:sldIdLst>
   <p:sldSz cx="12192000" cy="6858000"/>
   <p:notesSz cx="6858000" cy="9144000"/>
@@ -109,6 +110,11 @@
       </a:defRPr>
     </a:lvl9pPr>
   </p:defaultTextStyle>
+  <p:extLst>
+    <p:ext uri="{EFAFB233-063F-42B5-8137-9DF3F51BA10A}">
+      <p15:sldGuideLst xmlns:p15="http://schemas.microsoft.com/office/powerpoint/2012/main"/>
+    </p:ext>
+  </p:extLst>
 </p:presentation>
 </file>
 
@@ -444,7 +450,7 @@
             <a:fld id="{B61BEF0D-F0BB-DE4B-95CE-6DB70DBA9567}" type="datetimeFigureOut">
               <a:rPr lang="en-US" dirty="0"/>
               <a:pPr/>
-              <a:t>11/8/2017</a:t>
+              <a:t>11/9/2017</a:t>
             </a:fld>
             <a:endParaRPr lang="en-US" dirty="0"/>
           </a:p>
@@ -765,7 +771,7 @@
             <a:fld id="{B61BEF0D-F0BB-DE4B-95CE-6DB70DBA9567}" type="datetimeFigureOut">
               <a:rPr lang="en-US" dirty="0"/>
               <a:pPr/>
-              <a:t>11/8/2017</a:t>
+              <a:t>11/9/2017</a:t>
             </a:fld>
             <a:endParaRPr lang="en-US" dirty="0"/>
           </a:p>
@@ -1010,7 +1016,7 @@
             <a:fld id="{B61BEF0D-F0BB-DE4B-95CE-6DB70DBA9567}" type="datetimeFigureOut">
               <a:rPr lang="en-US" dirty="0"/>
               <a:pPr/>
-              <a:t>11/8/2017</a:t>
+              <a:t>11/9/2017</a:t>
             </a:fld>
             <a:endParaRPr lang="en-US" dirty="0"/>
           </a:p>
@@ -1346,7 +1352,7 @@
             <a:fld id="{B61BEF0D-F0BB-DE4B-95CE-6DB70DBA9567}" type="datetimeFigureOut">
               <a:rPr lang="en-US" dirty="0"/>
               <a:pPr/>
-              <a:t>11/8/2017</a:t>
+              <a:t>11/9/2017</a:t>
             </a:fld>
             <a:endParaRPr lang="en-US" dirty="0"/>
           </a:p>
@@ -1690,7 +1696,7 @@
             <a:fld id="{B61BEF0D-F0BB-DE4B-95CE-6DB70DBA9567}" type="datetimeFigureOut">
               <a:rPr lang="en-US" dirty="0"/>
               <a:pPr/>
-              <a:t>11/8/2017</a:t>
+              <a:t>11/9/2017</a:t>
             </a:fld>
             <a:endParaRPr lang="en-US" dirty="0"/>
           </a:p>
@@ -2061,7 +2067,7 @@
             <a:fld id="{B61BEF0D-F0BB-DE4B-95CE-6DB70DBA9567}" type="datetimeFigureOut">
               <a:rPr lang="en-US" dirty="0"/>
               <a:pPr/>
-              <a:t>11/8/2017</a:t>
+              <a:t>11/9/2017</a:t>
             </a:fld>
             <a:endParaRPr lang="en-US" dirty="0"/>
           </a:p>
@@ -2528,7 +2534,7 @@
             <a:fld id="{B61BEF0D-F0BB-DE4B-95CE-6DB70DBA9567}" type="datetimeFigureOut">
               <a:rPr lang="en-US" dirty="0"/>
               <a:pPr/>
-              <a:t>11/8/2017</a:t>
+              <a:t>11/9/2017</a:t>
             </a:fld>
             <a:endParaRPr lang="en-US" dirty="0"/>
           </a:p>
@@ -2730,7 +2736,7 @@
             <a:fld id="{B61BEF0D-F0BB-DE4B-95CE-6DB70DBA9567}" type="datetimeFigureOut">
               <a:rPr lang="en-US" dirty="0"/>
               <a:pPr/>
-              <a:t>11/8/2017</a:t>
+              <a:t>11/9/2017</a:t>
             </a:fld>
             <a:endParaRPr lang="en-US" dirty="0"/>
           </a:p>
@@ -2938,7 +2944,7 @@
             <a:fld id="{B61BEF0D-F0BB-DE4B-95CE-6DB70DBA9567}" type="datetimeFigureOut">
               <a:rPr lang="en-US" dirty="0"/>
               <a:pPr/>
-              <a:t>11/8/2017</a:t>
+              <a:t>11/9/2017</a:t>
             </a:fld>
             <a:endParaRPr lang="en-US" dirty="0"/>
           </a:p>
@@ -3166,7 +3172,7 @@
           <a:p>
             <a:fld id="{52647F38-B617-4D2F-AE0A-013F0C4D2C57}" type="datetimeFigureOut">
               <a:rPr lang="en-US" dirty="0"/>
-              <a:t>11/8/2017</a:t>
+              <a:t>11/9/2017</a:t>
             </a:fld>
             <a:endParaRPr lang="en-US" dirty="0"/>
           </a:p>
@@ -3410,7 +3416,7 @@
             <a:fld id="{B61BEF0D-F0BB-DE4B-95CE-6DB70DBA9567}" type="datetimeFigureOut">
               <a:rPr lang="en-US" dirty="0"/>
               <a:pPr/>
-              <a:t>11/8/2017</a:t>
+              <a:t>11/9/2017</a:t>
             </a:fld>
             <a:endParaRPr lang="en-US" dirty="0"/>
           </a:p>
@@ -3704,7 +3710,7 @@
           <a:p>
             <a:fld id="{05BFA754-D5C3-4E66-96A6-867B257F58DC}" type="datetimeFigureOut">
               <a:rPr lang="en-US" dirty="0"/>
-              <a:t>11/8/2017</a:t>
+              <a:t>11/9/2017</a:t>
             </a:fld>
             <a:endParaRPr lang="en-US" dirty="0"/>
           </a:p>
@@ -4094,7 +4100,7 @@
             <a:fld id="{B61BEF0D-F0BB-DE4B-95CE-6DB70DBA9567}" type="datetimeFigureOut">
               <a:rPr lang="en-US" dirty="0"/>
               <a:pPr/>
-              <a:t>11/8/2017</a:t>
+              <a:t>11/9/2017</a:t>
             </a:fld>
             <a:endParaRPr lang="en-US" dirty="0"/>
           </a:p>
@@ -4240,7 +4246,7 @@
             <a:fld id="{B61BEF0D-F0BB-DE4B-95CE-6DB70DBA9567}" type="datetimeFigureOut">
               <a:rPr lang="en-US" dirty="0"/>
               <a:pPr/>
-              <a:t>11/8/2017</a:t>
+              <a:t>11/9/2017</a:t>
             </a:fld>
             <a:endParaRPr lang="en-US" dirty="0"/>
           </a:p>
@@ -4363,7 +4369,7 @@
             <a:fld id="{B61BEF0D-F0BB-DE4B-95CE-6DB70DBA9567}" type="datetimeFigureOut">
               <a:rPr lang="en-US" dirty="0"/>
               <a:pPr/>
-              <a:t>11/8/2017</a:t>
+              <a:t>11/9/2017</a:t>
             </a:fld>
             <a:endParaRPr lang="en-US" dirty="0"/>
           </a:p>
@@ -4615,7 +4621,7 @@
             <a:fld id="{B61BEF0D-F0BB-DE4B-95CE-6DB70DBA9567}" type="datetimeFigureOut">
               <a:rPr lang="en-US" dirty="0"/>
               <a:pPr/>
-              <a:t>11/8/2017</a:t>
+              <a:t>11/9/2017</a:t>
             </a:fld>
             <a:endParaRPr lang="en-US" dirty="0"/>
           </a:p>
@@ -4927,7 +4933,7 @@
             <a:fld id="{B61BEF0D-F0BB-DE4B-95CE-6DB70DBA9567}" type="datetimeFigureOut">
               <a:rPr lang="en-US" dirty="0"/>
               <a:pPr/>
-              <a:t>11/8/2017</a:t>
+              <a:t>11/9/2017</a:t>
             </a:fld>
             <a:endParaRPr lang="en-US" dirty="0"/>
           </a:p>
@@ -5275,7 +5281,7 @@
             <a:fld id="{B61BEF0D-F0BB-DE4B-95CE-6DB70DBA9567}" type="datetimeFigureOut">
               <a:rPr lang="en-US" dirty="0"/>
               <a:pPr/>
-              <a:t>11/8/2017</a:t>
+              <a:t>11/9/2017</a:t>
             </a:fld>
             <a:endParaRPr lang="en-US" dirty="0"/>
           </a:p>
@@ -5819,7 +5825,7 @@
           <p:cNvPr id="2" name="Title 1">
             <a:extLst>
               <a:ext uri="{FF2B5EF4-FFF2-40B4-BE49-F238E27FC236}">
-                <a16:creationId xmlns:a16="http://schemas.microsoft.com/office/drawing/2014/main" id="{5B26FFD3-5F3D-4786-9707-F4980E3550A8}"/>
+                <a16:creationId xmlns:a16="http://schemas.microsoft.com/office/drawing/2014/main" xmlns="" id="{5B26FFD3-5F3D-4786-9707-F4980E3550A8}"/>
               </a:ext>
             </a:extLst>
           </p:cNvPr>
@@ -5854,7 +5860,7 @@
     <a:masterClrMapping/>
   </p:clrMapOvr>
   <mc:AlternateContent xmlns:mc="http://schemas.openxmlformats.org/markup-compatibility/2006">
-    <mc:Choice xmlns:p159="http://schemas.microsoft.com/office/powerpoint/2015/09/main" Requires="p159">
+    <mc:Choice xmlns:p159="http://schemas.microsoft.com/office/powerpoint/2015/09/main" xmlns="" Requires="p159">
       <p:transition xmlns:p14="http://schemas.microsoft.com/office/powerpoint/2010/main" spd="slow" p14:dur="2000">
         <p159:morph option="byObject"/>
       </p:transition>
@@ -5887,10 +5893,192 @@
       </p:grpSpPr>
       <p:sp>
         <p:nvSpPr>
+          <p:cNvPr id="2" name="ชื่อเรื่อง 1"/>
+          <p:cNvSpPr>
+            <a:spLocks noGrp="1"/>
+          </p:cNvSpPr>
+          <p:nvPr>
+            <p:ph type="title"/>
+          </p:nvPr>
+        </p:nvSpPr>
+        <p:spPr/>
+        <p:txBody>
+          <a:bodyPr>
+            <a:normAutofit fontScale="90000"/>
+          </a:bodyPr>
+          <a:lstStyle/>
+          <a:p>
+            <a:r>
+              <a:rPr lang="th-TH" dirty="0" smtClean="0"/>
+              <a:t>กลุ่มที่ 21 </a:t>
+            </a:r>
+            <a:r>
+              <a:rPr lang="th-TH" dirty="0" err="1"/>
+              <a:t>เบสิค</a:t>
+            </a:r>
+            <a:r>
+              <a:rPr lang="th-TH" dirty="0"/>
+              <a:t/>
+            </a:r>
+            <a:br>
+              <a:rPr lang="th-TH" dirty="0"/>
+            </a:br>
+            <a:r>
+              <a:rPr lang="th-TH" dirty="0" smtClean="0"/>
+              <a:t> </a:t>
+            </a:r>
+            <a:endParaRPr lang="th-TH" dirty="0"/>
+          </a:p>
+        </p:txBody>
+      </p:sp>
+      <p:sp>
+        <p:nvSpPr>
+          <p:cNvPr id="3" name="ตัวแทนเนื้อหา 2"/>
+          <p:cNvSpPr>
+            <a:spLocks noGrp="1"/>
+          </p:cNvSpPr>
+          <p:nvPr>
+            <p:ph idx="1"/>
+          </p:nvPr>
+        </p:nvSpPr>
+        <p:spPr/>
+        <p:txBody>
+          <a:bodyPr/>
+          <a:lstStyle/>
+          <a:p>
+            <a:pPr marL="0" indent="0">
+              <a:buNone/>
+            </a:pPr>
+            <a:r>
+              <a:rPr lang="th-TH" dirty="0" smtClean="0"/>
+              <a:t>สมาชิก</a:t>
+            </a:r>
+          </a:p>
+          <a:p>
+            <a:pPr>
+              <a:buFont typeface="+mj-lt"/>
+              <a:buAutoNum type="arabicPeriod"/>
+            </a:pPr>
+            <a:r>
+              <a:rPr lang="th-TH" dirty="0" smtClean="0"/>
+              <a:t>สมาชิก </a:t>
+            </a:r>
+            <a:r>
+              <a:rPr lang="th-TH" dirty="0"/>
+              <a:t>593021486-6 นาย </a:t>
+            </a:r>
+            <a:r>
+              <a:rPr lang="th-TH" dirty="0" err="1"/>
+              <a:t>ปวรุตม์</a:t>
+            </a:r>
+            <a:r>
+              <a:rPr lang="th-TH" dirty="0"/>
+              <a:t> พุทธทองศรี </a:t>
+            </a:r>
+          </a:p>
+          <a:p>
+            <a:pPr>
+              <a:buFont typeface="+mj-lt"/>
+              <a:buAutoNum type="arabicPeriod"/>
+            </a:pPr>
+            <a:r>
+              <a:rPr lang="th-TH" dirty="0"/>
+              <a:t>593021478-5 นาย </a:t>
+            </a:r>
+            <a:r>
+              <a:rPr lang="th-TH" dirty="0" err="1"/>
+              <a:t>ณัฐ</a:t>
+            </a:r>
+            <a:r>
+              <a:rPr lang="th-TH" dirty="0"/>
+              <a:t>นนท์ พลอยหวังบุญ </a:t>
+            </a:r>
+          </a:p>
+          <a:p>
+            <a:pPr>
+              <a:buFont typeface="+mj-lt"/>
+              <a:buAutoNum type="arabicPeriod"/>
+            </a:pPr>
+            <a:r>
+              <a:rPr lang="th-TH" dirty="0"/>
+              <a:t>593020975-6 นาย </a:t>
+            </a:r>
+            <a:r>
+              <a:rPr lang="th-TH" dirty="0" err="1"/>
+              <a:t>ศุภ</a:t>
+            </a:r>
+            <a:r>
+              <a:rPr lang="th-TH" dirty="0"/>
+              <a:t>โชค </a:t>
+            </a:r>
+            <a:r>
+              <a:rPr lang="th-TH" dirty="0" err="1"/>
+              <a:t>กัญญ</a:t>
+            </a:r>
+            <a:r>
+              <a:rPr lang="th-TH" dirty="0"/>
+              <a:t>พันธ์ </a:t>
+            </a:r>
+          </a:p>
+          <a:p>
+            <a:pPr>
+              <a:buFont typeface="+mj-lt"/>
+              <a:buAutoNum type="arabicPeriod"/>
+            </a:pPr>
+            <a:r>
+              <a:rPr lang="th-TH" dirty="0"/>
+              <a:t>593020961-7 นาย </a:t>
+            </a:r>
+            <a:r>
+              <a:rPr lang="th-TH" dirty="0" err="1"/>
+              <a:t>พัทธ</a:t>
+            </a:r>
+            <a:r>
+              <a:rPr lang="th-TH" dirty="0"/>
+              <a:t>กานต์ รัตนาไลย </a:t>
+            </a:r>
+          </a:p>
+          <a:p>
+            <a:endParaRPr lang="th-TH" dirty="0"/>
+          </a:p>
+        </p:txBody>
+      </p:sp>
+    </p:spTree>
+    <p:extLst>
+      <p:ext uri="{BB962C8B-B14F-4D97-AF65-F5344CB8AC3E}">
+        <p14:creationId xmlns:p14="http://schemas.microsoft.com/office/powerpoint/2010/main" val="3694230711"/>
+      </p:ext>
+    </p:extLst>
+  </p:cSld>
+  <p:clrMapOvr>
+    <a:masterClrMapping/>
+  </p:clrMapOvr>
+</p:sld>
+</file>
+
+<file path=ppt/slides/slide3.xml><?xml version="1.0" encoding="utf-8"?>
+<p:sld xmlns:a="http://schemas.openxmlformats.org/drawingml/2006/main" xmlns:r="http://schemas.openxmlformats.org/officeDocument/2006/relationships" xmlns:p="http://schemas.openxmlformats.org/presentationml/2006/main">
+  <p:cSld>
+    <p:spTree>
+      <p:nvGrpSpPr>
+        <p:cNvPr id="1" name=""/>
+        <p:cNvGrpSpPr/>
+        <p:nvPr/>
+      </p:nvGrpSpPr>
+      <p:grpSpPr>
+        <a:xfrm>
+          <a:off x="0" y="0"/>
+          <a:ext cx="0" cy="0"/>
+          <a:chOff x="0" y="0"/>
+          <a:chExt cx="0" cy="0"/>
+        </a:xfrm>
+      </p:grpSpPr>
+      <p:sp>
+        <p:nvSpPr>
           <p:cNvPr id="2" name="Title 1">
             <a:extLst>
               <a:ext uri="{FF2B5EF4-FFF2-40B4-BE49-F238E27FC236}">
-                <a16:creationId xmlns:a16="http://schemas.microsoft.com/office/drawing/2014/main" id="{B37B6C43-D224-4347-91A9-7CCB8927EED3}"/>
+                <a16:creationId xmlns:a16="http://schemas.microsoft.com/office/drawing/2014/main" xmlns="" id="{B37B6C43-D224-4347-91A9-7CCB8927EED3}"/>
               </a:ext>
             </a:extLst>
           </p:cNvPr>
@@ -5926,7 +6114,7 @@
           <p:cNvPr id="5" name="Content Placeholder 4">
             <a:extLst>
               <a:ext uri="{FF2B5EF4-FFF2-40B4-BE49-F238E27FC236}">
-                <a16:creationId xmlns:a16="http://schemas.microsoft.com/office/drawing/2014/main" id="{E477454D-2779-4C4C-81C7-7DA24FD9C612}"/>
+                <a16:creationId xmlns:a16="http://schemas.microsoft.com/office/drawing/2014/main" xmlns="" id="{E477454D-2779-4C4C-81C7-7DA24FD9C612}"/>
               </a:ext>
             </a:extLst>
           </p:cNvPr>
@@ -5960,13 +6148,13 @@
   <p:clrMapOvr>
     <a:masterClrMapping/>
   </p:clrMapOvr>
-  <mc:AlternateContent xmlns:mc="http://schemas.openxmlformats.org/markup-compatibility/2006">
-    <mc:Choice xmlns:p14="http://schemas.microsoft.com/office/powerpoint/2010/main" Requires="p14">
+  <mc:AlternateContent xmlns:mc="http://schemas.openxmlformats.org/markup-compatibility/2006" xmlns:p14="http://schemas.microsoft.com/office/powerpoint/2010/main">
+    <mc:Choice Requires="p14">
       <p:transition spd="med" p14:dur="700">
         <p:fade/>
       </p:transition>
     </mc:Choice>
-    <mc:Fallback>
+    <mc:Fallback xmlns="">
       <p:transition spd="med">
         <p:fade/>
       </p:transition>
@@ -5975,7 +6163,7 @@
 </p:sld>
 </file>
 
-<file path=ppt/slides/slide3.xml><?xml version="1.0" encoding="utf-8"?>
+<file path=ppt/slides/slide4.xml><?xml version="1.0" encoding="utf-8"?>
 <p:sld xmlns:a="http://schemas.openxmlformats.org/drawingml/2006/main" xmlns:r="http://schemas.openxmlformats.org/officeDocument/2006/relationships" xmlns:p="http://schemas.openxmlformats.org/presentationml/2006/main">
   <p:cSld>
     <p:spTree>
@@ -5997,7 +6185,7 @@
           <p:cNvPr id="2" name="Title 1">
             <a:extLst>
               <a:ext uri="{FF2B5EF4-FFF2-40B4-BE49-F238E27FC236}">
-                <a16:creationId xmlns:a16="http://schemas.microsoft.com/office/drawing/2014/main" id="{92BFAFBE-7921-43C3-BB8D-B4FE92A8F193}"/>
+                <a16:creationId xmlns:a16="http://schemas.microsoft.com/office/drawing/2014/main" xmlns="" id="{92BFAFBE-7921-43C3-BB8D-B4FE92A8F193}"/>
               </a:ext>
             </a:extLst>
           </p:cNvPr>
@@ -6025,7 +6213,7 @@
           <p:cNvPr id="5" name="Content Placeholder 4">
             <a:extLst>
               <a:ext uri="{FF2B5EF4-FFF2-40B4-BE49-F238E27FC236}">
-                <a16:creationId xmlns:a16="http://schemas.microsoft.com/office/drawing/2014/main" id="{00446DE8-35CB-45BC-B0E3-BE6A7CC611CE}"/>
+                <a16:creationId xmlns:a16="http://schemas.microsoft.com/office/drawing/2014/main" xmlns="" id="{00446DE8-35CB-45BC-B0E3-BE6A7CC611CE}"/>
               </a:ext>
             </a:extLst>
           </p:cNvPr>
@@ -6054,7 +6242,7 @@
           <p:cNvPr id="9" name="Picture 8">
             <a:extLst>
               <a:ext uri="{FF2B5EF4-FFF2-40B4-BE49-F238E27FC236}">
-                <a16:creationId xmlns:a16="http://schemas.microsoft.com/office/drawing/2014/main" id="{E3806818-BC50-459E-9BDA-2EB50A5A753B}"/>
+                <a16:creationId xmlns:a16="http://schemas.microsoft.com/office/drawing/2014/main" xmlns="" id="{E3806818-BC50-459E-9BDA-2EB50A5A753B}"/>
               </a:ext>
             </a:extLst>
           </p:cNvPr>
@@ -6095,7 +6283,7 @@
 </p:sld>
 </file>
 
-<file path=ppt/slides/slide4.xml><?xml version="1.0" encoding="utf-8"?>
+<file path=ppt/slides/slide5.xml><?xml version="1.0" encoding="utf-8"?>
 <p:sld xmlns:a="http://schemas.openxmlformats.org/drawingml/2006/main" xmlns:r="http://schemas.openxmlformats.org/officeDocument/2006/relationships" xmlns:p="http://schemas.openxmlformats.org/presentationml/2006/main">
   <p:cSld>
     <p:spTree>
@@ -6117,7 +6305,7 @@
           <p:cNvPr id="2" name="Title 1">
             <a:extLst>
               <a:ext uri="{FF2B5EF4-FFF2-40B4-BE49-F238E27FC236}">
-                <a16:creationId xmlns:a16="http://schemas.microsoft.com/office/drawing/2014/main" id="{27CC5300-03A2-48F5-AFEF-EE3A6DA210D1}"/>
+                <a16:creationId xmlns:a16="http://schemas.microsoft.com/office/drawing/2014/main" xmlns="" id="{27CC5300-03A2-48F5-AFEF-EE3A6DA210D1}"/>
               </a:ext>
             </a:extLst>
           </p:cNvPr>
@@ -6146,7 +6334,7 @@
           <p:cNvPr id="3" name="Content Placeholder 2">
             <a:extLst>
               <a:ext uri="{FF2B5EF4-FFF2-40B4-BE49-F238E27FC236}">
-                <a16:creationId xmlns:a16="http://schemas.microsoft.com/office/drawing/2014/main" id="{E9A8B1F6-38FE-4EF2-9876-16796ED75723}"/>
+                <a16:creationId xmlns:a16="http://schemas.microsoft.com/office/drawing/2014/main" xmlns="" id="{E9A8B1F6-38FE-4EF2-9876-16796ED75723}"/>
               </a:ext>
             </a:extLst>
           </p:cNvPr>
@@ -6205,7 +6393,7 @@
           <p:cNvPr id="5" name="Content Placeholder 2">
             <a:extLst>
               <a:ext uri="{FF2B5EF4-FFF2-40B4-BE49-F238E27FC236}">
-                <a16:creationId xmlns:a16="http://schemas.microsoft.com/office/drawing/2014/main" id="{E24B3CBA-CA43-470C-B9BB-082F60233ACF}"/>
+                <a16:creationId xmlns:a16="http://schemas.microsoft.com/office/drawing/2014/main" xmlns="" id="{E24B3CBA-CA43-470C-B9BB-082F60233ACF}"/>
               </a:ext>
             </a:extLst>
           </p:cNvPr>
@@ -6504,13 +6692,13 @@
   <p:clrMapOvr>
     <a:masterClrMapping/>
   </p:clrMapOvr>
-  <mc:AlternateContent xmlns:mc="http://schemas.openxmlformats.org/markup-compatibility/2006">
-    <mc:Choice xmlns:p14="http://schemas.microsoft.com/office/powerpoint/2010/main" Requires="p14">
+  <mc:AlternateContent xmlns:mc="http://schemas.openxmlformats.org/markup-compatibility/2006" xmlns:p14="http://schemas.microsoft.com/office/powerpoint/2010/main">
+    <mc:Choice Requires="p14">
       <p:transition spd="slow" p14:dur="800">
         <p:circle/>
       </p:transition>
     </mc:Choice>
-    <mc:Fallback>
+    <mc:Fallback xmlns="">
       <p:transition spd="slow">
         <p:circle/>
       </p:transition>
@@ -6519,7 +6707,7 @@
 </p:sld>
 </file>
 
-<file path=ppt/slides/slide5.xml><?xml version="1.0" encoding="utf-8"?>
+<file path=ppt/slides/slide6.xml><?xml version="1.0" encoding="utf-8"?>
 <p:sld xmlns:a="http://schemas.openxmlformats.org/drawingml/2006/main" xmlns:r="http://schemas.openxmlformats.org/officeDocument/2006/relationships" xmlns:p="http://schemas.openxmlformats.org/presentationml/2006/main">
   <p:cSld>
     <p:spTree>
@@ -6541,7 +6729,7 @@
           <p:cNvPr id="2" name="Title 1">
             <a:extLst>
               <a:ext uri="{FF2B5EF4-FFF2-40B4-BE49-F238E27FC236}">
-                <a16:creationId xmlns:a16="http://schemas.microsoft.com/office/drawing/2014/main" id="{E48D8862-90A9-46CC-BF76-6079EDFE0918}"/>
+                <a16:creationId xmlns:a16="http://schemas.microsoft.com/office/drawing/2014/main" xmlns="" id="{E48D8862-90A9-46CC-BF76-6079EDFE0918}"/>
               </a:ext>
             </a:extLst>
           </p:cNvPr>
@@ -6570,7 +6758,7 @@
           <p:cNvPr id="5" name="Content Placeholder 4">
             <a:extLst>
               <a:ext uri="{FF2B5EF4-FFF2-40B4-BE49-F238E27FC236}">
-                <a16:creationId xmlns:a16="http://schemas.microsoft.com/office/drawing/2014/main" id="{3AB4DDC0-EC83-4993-BF78-8FCAE08A18A9}"/>
+                <a16:creationId xmlns:a16="http://schemas.microsoft.com/office/drawing/2014/main" xmlns="" id="{3AB4DDC0-EC83-4993-BF78-8FCAE08A18A9}"/>
               </a:ext>
             </a:extLst>
           </p:cNvPr>
@@ -6599,7 +6787,7 @@
           <p:cNvPr id="7" name="Picture 6">
             <a:extLst>
               <a:ext uri="{FF2B5EF4-FFF2-40B4-BE49-F238E27FC236}">
-                <a16:creationId xmlns:a16="http://schemas.microsoft.com/office/drawing/2014/main" id="{C97AC456-C64F-4F44-9A09-3E377FCB9E95}"/>
+                <a16:creationId xmlns:a16="http://schemas.microsoft.com/office/drawing/2014/main" xmlns="" id="{C97AC456-C64F-4F44-9A09-3E377FCB9E95}"/>
               </a:ext>
             </a:extLst>
           </p:cNvPr>
@@ -6634,13 +6822,13 @@
   <p:clrMapOvr>
     <a:masterClrMapping/>
   </p:clrMapOvr>
-  <mc:AlternateContent xmlns:mc="http://schemas.openxmlformats.org/markup-compatibility/2006">
-    <mc:Choice xmlns:p14="http://schemas.microsoft.com/office/powerpoint/2010/main" Requires="p14">
+  <mc:AlternateContent xmlns:mc="http://schemas.openxmlformats.org/markup-compatibility/2006" xmlns:p14="http://schemas.microsoft.com/office/powerpoint/2010/main">
+    <mc:Choice Requires="p14">
       <p:transition spd="slow">
         <p14:flash/>
       </p:transition>
     </mc:Choice>
-    <mc:Fallback>
+    <mc:Fallback xmlns="">
       <p:transition spd="slow">
         <p:fade/>
       </p:transition>
@@ -6649,7 +6837,7 @@
 </p:sld>
 </file>
 
-<file path=ppt/slides/slide6.xml><?xml version="1.0" encoding="utf-8"?>
+<file path=ppt/slides/slide7.xml><?xml version="1.0" encoding="utf-8"?>
 <p:sld xmlns:a="http://schemas.openxmlformats.org/drawingml/2006/main" xmlns:r="http://schemas.openxmlformats.org/officeDocument/2006/relationships" xmlns:p="http://schemas.openxmlformats.org/presentationml/2006/main">
   <p:cSld>
     <p:spTree>
@@ -6671,7 +6859,7 @@
           <p:cNvPr id="2" name="Title 1">
             <a:extLst>
               <a:ext uri="{FF2B5EF4-FFF2-40B4-BE49-F238E27FC236}">
-                <a16:creationId xmlns:a16="http://schemas.microsoft.com/office/drawing/2014/main" id="{BAFABC1E-5BE7-42DF-8FC0-6C46A4AB5F82}"/>
+                <a16:creationId xmlns:a16="http://schemas.microsoft.com/office/drawing/2014/main" xmlns="" id="{BAFABC1E-5BE7-42DF-8FC0-6C46A4AB5F82}"/>
               </a:ext>
             </a:extLst>
           </p:cNvPr>
@@ -6695,326 +6883,6 @@
           </a:p>
         </p:txBody>
       </p:sp>
-      <p:graphicFrame>
-        <p:nvGraphicFramePr>
-          <p:cNvPr id="4" name="Content Placeholder 3">
-            <a:extLst>
-              <a:ext uri="{FF2B5EF4-FFF2-40B4-BE49-F238E27FC236}">
-                <a16:creationId xmlns:a16="http://schemas.microsoft.com/office/drawing/2014/main" id="{16FCC7B4-5C1F-429A-A654-5EDE86610AE2}"/>
-              </a:ext>
-            </a:extLst>
-          </p:cNvPr>
-          <p:cNvGraphicFramePr>
-            <a:graphicFrameLocks noGrp="1"/>
-          </p:cNvGraphicFramePr>
-          <p:nvPr>
-            <p:ph idx="1"/>
-            <p:extLst>
-              <p:ext uri="{D42A27DB-BD31-4B8C-83A1-F6EECF244321}">
-                <p14:modId xmlns:p14="http://schemas.microsoft.com/office/powerpoint/2010/main" val="917269213"/>
-              </p:ext>
-            </p:extLst>
-          </p:nvPr>
-        </p:nvGraphicFramePr>
-        <p:xfrm>
-          <a:off x="1295402" y="2851180"/>
-          <a:ext cx="5715000" cy="2560320"/>
-        </p:xfrm>
-        <a:graphic>
-          <a:graphicData uri="http://schemas.openxmlformats.org/drawingml/2006/table">
-            <a:tbl>
-              <a:tblPr/>
-              <a:tblGrid>
-                <a:gridCol w="1428750">
-                  <a:extLst>
-                    <a:ext uri="{9D8B030D-6E8A-4147-A177-3AD203B41FA5}">
-                      <a16:colId xmlns:a16="http://schemas.microsoft.com/office/drawing/2014/main" val="3442631477"/>
-                    </a:ext>
-                  </a:extLst>
-                </a:gridCol>
-                <a:gridCol w="4286250">
-                  <a:extLst>
-                    <a:ext uri="{9D8B030D-6E8A-4147-A177-3AD203B41FA5}">
-                      <a16:colId xmlns:a16="http://schemas.microsoft.com/office/drawing/2014/main" val="1405665600"/>
-                    </a:ext>
-                  </a:extLst>
-                </a:gridCol>
-              </a:tblGrid>
-              <a:tr h="0">
-                <a:tc>
-                  <a:txBody>
-                    <a:bodyPr/>
-                    <a:lstStyle/>
-                    <a:p>
-                      <a:r>
-                        <a:rPr lang="en-US"/>
-                        <a:t>Group Id</a:t>
-                      </a:r>
-                    </a:p>
-                  </a:txBody>
-                  <a:tcPr anchor="ctr">
-                    <a:lnL>
-                      <a:noFill/>
-                    </a:lnL>
-                    <a:lnR>
-                      <a:noFill/>
-                    </a:lnR>
-                    <a:lnT>
-                      <a:noFill/>
-                    </a:lnT>
-                    <a:lnB>
-                      <a:noFill/>
-                    </a:lnB>
-                  </a:tcPr>
-                </a:tc>
-                <a:tc>
-                  <a:txBody>
-                    <a:bodyPr/>
-                    <a:lstStyle/>
-                    <a:p>
-                      <a:r>
-                        <a:rPr lang="en-US" dirty="0"/>
-                        <a:t>:</a:t>
-                      </a:r>
-                      <a:r>
-                        <a:rPr lang="th-TH" dirty="0"/>
-                        <a:t> 2560 - 21 </a:t>
-                      </a:r>
-                    </a:p>
-                  </a:txBody>
-                  <a:tcPr anchor="ctr">
-                    <a:lnL>
-                      <a:noFill/>
-                    </a:lnL>
-                    <a:lnR>
-                      <a:noFill/>
-                    </a:lnR>
-                    <a:lnT>
-                      <a:noFill/>
-                    </a:lnT>
-                    <a:lnB>
-                      <a:noFill/>
-                    </a:lnB>
-                  </a:tcPr>
-                </a:tc>
-                <a:extLst>
-                  <a:ext uri="{0D108BD9-81ED-4DB2-BD59-A6C34878D82A}">
-                    <a16:rowId xmlns:a16="http://schemas.microsoft.com/office/drawing/2014/main" val="2263803744"/>
-                  </a:ext>
-                </a:extLst>
-              </a:tr>
-              <a:tr h="0">
-                <a:tc>
-                  <a:txBody>
-                    <a:bodyPr/>
-                    <a:lstStyle/>
-                    <a:p>
-                      <a:r>
-                        <a:rPr lang="th-TH"/>
-                        <a:t>ชื่อหัวข้อ(ภาษาไทย)</a:t>
-                      </a:r>
-                    </a:p>
-                  </a:txBody>
-                  <a:tcPr anchor="ctr">
-                    <a:lnL>
-                      <a:noFill/>
-                    </a:lnL>
-                    <a:lnR>
-                      <a:noFill/>
-                    </a:lnR>
-                    <a:lnT>
-                      <a:noFill/>
-                    </a:lnT>
-                    <a:lnB>
-                      <a:noFill/>
-                    </a:lnB>
-                  </a:tcPr>
-                </a:tc>
-                <a:tc>
-                  <a:txBody>
-                    <a:bodyPr/>
-                    <a:lstStyle/>
-                    <a:p>
-                      <a:r>
-                        <a:rPr lang="en-US" dirty="0"/>
-                        <a:t>:</a:t>
-                      </a:r>
-                      <a:r>
-                        <a:rPr lang="th-TH" dirty="0"/>
-                        <a:t> เบสิค</a:t>
-                      </a:r>
-                    </a:p>
-                  </a:txBody>
-                  <a:tcPr anchor="ctr">
-                    <a:lnL>
-                      <a:noFill/>
-                    </a:lnL>
-                    <a:lnR>
-                      <a:noFill/>
-                    </a:lnR>
-                    <a:lnT>
-                      <a:noFill/>
-                    </a:lnT>
-                    <a:lnB>
-                      <a:noFill/>
-                    </a:lnB>
-                  </a:tcPr>
-                </a:tc>
-                <a:extLst>
-                  <a:ext uri="{0D108BD9-81ED-4DB2-BD59-A6C34878D82A}">
-                    <a16:rowId xmlns:a16="http://schemas.microsoft.com/office/drawing/2014/main" val="3384933604"/>
-                  </a:ext>
-                </a:extLst>
-              </a:tr>
-              <a:tr h="0">
-                <a:tc>
-                  <a:txBody>
-                    <a:bodyPr/>
-                    <a:lstStyle/>
-                    <a:p>
-                      <a:r>
-                        <a:rPr lang="th-TH" dirty="0"/>
-                        <a:t>ชื่อหัวข้อ(</a:t>
-                      </a:r>
-                      <a:r>
-                        <a:rPr lang="en-US" dirty="0"/>
-                        <a:t>English)</a:t>
-                      </a:r>
-                    </a:p>
-                  </a:txBody>
-                  <a:tcPr anchor="ctr">
-                    <a:lnL>
-                      <a:noFill/>
-                    </a:lnL>
-                    <a:lnR>
-                      <a:noFill/>
-                    </a:lnR>
-                    <a:lnT>
-                      <a:noFill/>
-                    </a:lnT>
-                    <a:lnB>
-                      <a:noFill/>
-                    </a:lnB>
-                  </a:tcPr>
-                </a:tc>
-                <a:tc>
-                  <a:txBody>
-                    <a:bodyPr/>
-                    <a:lstStyle/>
-                    <a:p>
-                      <a:r>
-                        <a:rPr lang="en-US" dirty="0"/>
-                        <a:t>: </a:t>
-                      </a:r>
-                      <a:r>
-                        <a:rPr lang="en-US" dirty="0" err="1"/>
-                        <a:t>Basicsgame</a:t>
-                      </a:r>
-                      <a:endParaRPr lang="en-US" dirty="0"/>
-                    </a:p>
-                  </a:txBody>
-                  <a:tcPr anchor="ctr">
-                    <a:lnL>
-                      <a:noFill/>
-                    </a:lnL>
-                    <a:lnR>
-                      <a:noFill/>
-                    </a:lnR>
-                    <a:lnT>
-                      <a:noFill/>
-                    </a:lnT>
-                    <a:lnB>
-                      <a:noFill/>
-                    </a:lnB>
-                  </a:tcPr>
-                </a:tc>
-                <a:extLst>
-                  <a:ext uri="{0D108BD9-81ED-4DB2-BD59-A6C34878D82A}">
-                    <a16:rowId xmlns:a16="http://schemas.microsoft.com/office/drawing/2014/main" val="303957624"/>
-                  </a:ext>
-                </a:extLst>
-              </a:tr>
-              <a:tr h="0">
-                <a:tc gridSpan="2">
-                  <a:txBody>
-                    <a:bodyPr/>
-                    <a:lstStyle/>
-                    <a:p>
-                      <a:pPr>
-                        <a:buFont typeface="+mj-lt"/>
-                        <a:buAutoNum type="arabicPeriod"/>
-                      </a:pPr>
-                      <a:r>
-                        <a:rPr lang="th-TH" dirty="0"/>
-                        <a:t>สมาชิก 593021486-6 นาย ปวรุตม์ พุทธทองศรี </a:t>
-                      </a:r>
-                    </a:p>
-                    <a:p>
-                      <a:pPr>
-                        <a:buFont typeface="+mj-lt"/>
-                        <a:buAutoNum type="arabicPeriod"/>
-                      </a:pPr>
-                      <a:r>
-                        <a:rPr lang="th-TH" dirty="0"/>
-                        <a:t>593021478-5 นาย ณัฐนนท์ พลอยหวังบุญ </a:t>
-                      </a:r>
-                    </a:p>
-                    <a:p>
-                      <a:pPr>
-                        <a:buFont typeface="+mj-lt"/>
-                        <a:buAutoNum type="arabicPeriod"/>
-                      </a:pPr>
-                      <a:r>
-                        <a:rPr lang="th-TH" dirty="0"/>
-                        <a:t>593020975-6 นาย ศุภโชค กัญญพันธ์ </a:t>
-                      </a:r>
-                    </a:p>
-                    <a:p>
-                      <a:pPr>
-                        <a:buFont typeface="+mj-lt"/>
-                        <a:buAutoNum type="arabicPeriod"/>
-                      </a:pPr>
-                      <a:r>
-                        <a:rPr lang="th-TH" dirty="0"/>
-                        <a:t>593020961-7 นาย พัทธกานต์ รัตนาไลย </a:t>
-                      </a:r>
-                    </a:p>
-                  </a:txBody>
-                  <a:tcPr>
-                    <a:lnL>
-                      <a:noFill/>
-                    </a:lnL>
-                    <a:lnR>
-                      <a:noFill/>
-                    </a:lnR>
-                    <a:lnT>
-                      <a:noFill/>
-                    </a:lnT>
-                    <a:lnB>
-                      <a:noFill/>
-                    </a:lnB>
-                  </a:tcPr>
-                </a:tc>
-                <a:tc hMerge="1">
-                  <a:txBody>
-                    <a:bodyPr/>
-                    <a:lstStyle/>
-                    <a:p>
-                      <a:endParaRPr lang="th-TH"/>
-                    </a:p>
-                  </a:txBody>
-                  <a:tcPr/>
-                </a:tc>
-                <a:extLst>
-                  <a:ext uri="{0D108BD9-81ED-4DB2-BD59-A6C34878D82A}">
-                    <a16:rowId xmlns:a16="http://schemas.microsoft.com/office/drawing/2014/main" val="3286597711"/>
-                  </a:ext>
-                </a:extLst>
-              </a:tr>
-            </a:tbl>
-          </a:graphicData>
-        </a:graphic>
-      </p:graphicFrame>
     </p:spTree>
     <p:extLst>
       <p:ext uri="{BB962C8B-B14F-4D97-AF65-F5344CB8AC3E}">
@@ -7025,13 +6893,13 @@
   <p:clrMapOvr>
     <a:masterClrMapping/>
   </p:clrMapOvr>
-  <mc:AlternateContent xmlns:mc="http://schemas.openxmlformats.org/markup-compatibility/2006">
-    <mc:Choice xmlns:p15="http://schemas.microsoft.com/office/powerpoint/2012/main" Requires="p15">
+  <mc:AlternateContent xmlns:mc="http://schemas.openxmlformats.org/markup-compatibility/2006" xmlns:p15="http://schemas.microsoft.com/office/powerpoint/2012/main">
+    <mc:Choice Requires="p15">
       <p:transition xmlns:p14="http://schemas.microsoft.com/office/powerpoint/2010/main" spd="slow" p14:dur="2000">
         <p15:prstTrans prst="fracture"/>
       </p:transition>
     </mc:Choice>
-    <mc:Fallback>
+    <mc:Fallback xmlns="">
       <p:transition spd="slow">
         <p:fade/>
       </p:transition>

--- a/Enterprise ship.pptx
+++ b/Enterprise ship.pptx
@@ -7,11 +7,12 @@
   <p:sldIdLst>
     <p:sldId id="256" r:id="rId2"/>
     <p:sldId id="262" r:id="rId3"/>
-    <p:sldId id="257" r:id="rId4"/>
-    <p:sldId id="258" r:id="rId5"/>
-    <p:sldId id="259" r:id="rId6"/>
-    <p:sldId id="260" r:id="rId7"/>
-    <p:sldId id="261" r:id="rId8"/>
+    <p:sldId id="263" r:id="rId4"/>
+    <p:sldId id="257" r:id="rId5"/>
+    <p:sldId id="258" r:id="rId6"/>
+    <p:sldId id="259" r:id="rId7"/>
+    <p:sldId id="260" r:id="rId8"/>
+    <p:sldId id="261" r:id="rId9"/>
   </p:sldIdLst>
   <p:sldSz cx="12192000" cy="6858000"/>
   <p:notesSz cx="6858000" cy="9144000"/>
@@ -5825,7 +5826,7 @@
           <p:cNvPr id="2" name="Title 1">
             <a:extLst>
               <a:ext uri="{FF2B5EF4-FFF2-40B4-BE49-F238E27FC236}">
-                <a16:creationId xmlns:a16="http://schemas.microsoft.com/office/drawing/2014/main" xmlns="" id="{5B26FFD3-5F3D-4786-9707-F4980E3550A8}"/>
+                <a16:creationId xmlns="" xmlns:a16="http://schemas.microsoft.com/office/drawing/2014/main" id="{5B26FFD3-5F3D-4786-9707-F4980E3550A8}"/>
               </a:ext>
             </a:extLst>
           </p:cNvPr>
@@ -5860,7 +5861,7 @@
     <a:masterClrMapping/>
   </p:clrMapOvr>
   <mc:AlternateContent xmlns:mc="http://schemas.openxmlformats.org/markup-compatibility/2006">
-    <mc:Choice xmlns:p159="http://schemas.microsoft.com/office/powerpoint/2015/09/main" xmlns="" Requires="p159">
+    <mc:Choice xmlns="" xmlns:p159="http://schemas.microsoft.com/office/powerpoint/2015/09/main" Requires="p159">
       <p:transition xmlns:p14="http://schemas.microsoft.com/office/powerpoint/2010/main" spd="slow" p14:dur="2000">
         <p159:morph option="byObject"/>
       </p:transition>
@@ -6053,6 +6054,13 @@
   <p:clrMapOvr>
     <a:masterClrMapping/>
   </p:clrMapOvr>
+  <p:timing>
+    <p:tnLst>
+      <p:par>
+        <p:cTn id="1" dur="indefinite" restart="never" nodeType="tmRoot"/>
+      </p:par>
+    </p:tnLst>
+  </p:timing>
 </p:sld>
 </file>
 
@@ -6075,91 +6083,99 @@
       </p:grpSpPr>
       <p:sp>
         <p:nvSpPr>
-          <p:cNvPr id="2" name="Title 1">
+          <p:cNvPr id="2" name="ชื่อเรื่อง 1"/>
+          <p:cNvSpPr>
+            <a:spLocks noGrp="1"/>
+          </p:cNvSpPr>
+          <p:nvPr>
+            <p:ph type="title"/>
+          </p:nvPr>
+        </p:nvSpPr>
+        <p:spPr/>
+        <p:txBody>
+          <a:bodyPr/>
+          <a:lstStyle/>
+          <a:p>
+            <a:r>
+              <a:rPr lang="th-TH" dirty="0" smtClean="0"/>
+              <a:t>รูปแบบของเกม</a:t>
+            </a:r>
+            <a:endParaRPr lang="th-TH" dirty="0"/>
+          </a:p>
+        </p:txBody>
+      </p:sp>
+      <p:pic>
+        <p:nvPicPr>
+          <p:cNvPr id="1026" name="Picture 2" descr="ผลการค้นหารูปภาพสำหรับ ยานยิงอวกาศ"/>
+          <p:cNvPicPr>
+            <a:picLocks noGrp="1" noChangeAspect="1" noChangeArrowheads="1"/>
+          </p:cNvPicPr>
+          <p:nvPr>
+            <p:ph idx="1"/>
+          </p:nvPr>
+        </p:nvPicPr>
+        <p:blipFill>
+          <a:blip r:embed="rId2">
             <a:extLst>
-              <a:ext uri="{FF2B5EF4-FFF2-40B4-BE49-F238E27FC236}">
-                <a16:creationId xmlns:a16="http://schemas.microsoft.com/office/drawing/2014/main" xmlns="" id="{B37B6C43-D224-4347-91A9-7CCB8927EED3}"/>
+              <a:ext uri="{28A0092B-C50C-407E-A947-70E740481C1C}">
+                <a14:useLocalDpi xmlns:a14="http://schemas.microsoft.com/office/drawing/2010/main" val="0"/>
               </a:ext>
             </a:extLst>
-          </p:cNvPr>
-          <p:cNvSpPr>
-            <a:spLocks noGrp="1"/>
-          </p:cNvSpPr>
-          <p:nvPr>
-            <p:ph type="title"/>
-          </p:nvPr>
-        </p:nvSpPr>
-        <p:spPr/>
-        <p:txBody>
-          <a:bodyPr/>
-          <a:lstStyle/>
-          <a:p>
-            <a:r>
-              <a:rPr lang="th-TH" dirty="0"/>
-              <a:t>เนื้อเรื่อง </a:t>
-            </a:r>
-            <a:r>
-              <a:rPr lang="en-US" dirty="0"/>
-              <a:t>: </a:t>
-            </a:r>
-            <a:r>
-              <a:rPr lang="th-TH" dirty="0"/>
-              <a:t>กลุ่มเอ็นเตอร์ไพรส์จะเข้าวาร์ป แต่ดันเจออุปสรรค</a:t>
-            </a:r>
-          </a:p>
-        </p:txBody>
-      </p:sp>
-      <p:pic>
-        <p:nvPicPr>
-          <p:cNvPr id="5" name="Content Placeholder 4">
-            <a:extLst>
-              <a:ext uri="{FF2B5EF4-FFF2-40B4-BE49-F238E27FC236}">
-                <a16:creationId xmlns:a16="http://schemas.microsoft.com/office/drawing/2014/main" xmlns="" id="{E477454D-2779-4C4C-81C7-7DA24FD9C612}"/>
-              </a:ext>
-            </a:extLst>
-          </p:cNvPr>
-          <p:cNvPicPr>
-            <a:picLocks noGrp="1" noChangeAspect="1"/>
-          </p:cNvPicPr>
-          <p:nvPr>
-            <p:ph idx="1"/>
-          </p:nvPr>
-        </p:nvPicPr>
-        <p:blipFill>
-          <a:blip r:embed="rId2"/>
+          </a:blip>
+          <a:srcRect/>
           <a:stretch>
             <a:fillRect/>
           </a:stretch>
         </p:blipFill>
-        <p:spPr>
+        <p:spPr bwMode="auto">
           <a:xfrm>
-            <a:off x="3936357" y="2683418"/>
-            <a:ext cx="3810000" cy="2695575"/>
+            <a:off x="3866667" y="2525379"/>
+            <a:ext cx="4458666" cy="3317875"/>
           </a:xfrm>
+          <a:prstGeom prst="rect">
+            <a:avLst/>
+          </a:prstGeom>
+          <a:noFill/>
+          <a:extLst>
+            <a:ext uri="{909E8E84-426E-40DD-AFC4-6F175D3DCCD1}">
+              <a14:hiddenFill xmlns:a14="http://schemas.microsoft.com/office/drawing/2010/main">
+                <a:solidFill>
+                  <a:srgbClr val="FFFFFF"/>
+                </a:solidFill>
+              </a14:hiddenFill>
+            </a:ext>
+          </a:extLst>
         </p:spPr>
       </p:pic>
     </p:spTree>
     <p:extLst>
       <p:ext uri="{BB962C8B-B14F-4D97-AF65-F5344CB8AC3E}">
-        <p14:creationId xmlns:p14="http://schemas.microsoft.com/office/powerpoint/2010/main" val="4129572760"/>
+        <p14:creationId xmlns:p14="http://schemas.microsoft.com/office/powerpoint/2010/main" val="1424518376"/>
       </p:ext>
     </p:extLst>
   </p:cSld>
   <p:clrMapOvr>
     <a:masterClrMapping/>
   </p:clrMapOvr>
-  <mc:AlternateContent xmlns:mc="http://schemas.openxmlformats.org/markup-compatibility/2006" xmlns:p14="http://schemas.microsoft.com/office/powerpoint/2010/main">
-    <mc:Choice Requires="p14">
+  <mc:AlternateContent xmlns:mc="http://schemas.openxmlformats.org/markup-compatibility/2006">
+    <mc:Choice xmlns:p14="http://schemas.microsoft.com/office/powerpoint/2010/main" Requires="p14">
       <p:transition spd="med" p14:dur="700">
         <p:fade/>
       </p:transition>
     </mc:Choice>
-    <mc:Fallback xmlns="">
+    <mc:Fallback>
       <p:transition spd="med">
         <p:fade/>
       </p:transition>
     </mc:Fallback>
   </mc:AlternateContent>
+  <p:timing>
+    <p:tnLst>
+      <p:par>
+        <p:cTn id="1" dur="indefinite" restart="never" nodeType="tmRoot"/>
+      </p:par>
+    </p:tnLst>
+  </p:timing>
 </p:sld>
 </file>
 
@@ -6185,7 +6201,7 @@
           <p:cNvPr id="2" name="Title 1">
             <a:extLst>
               <a:ext uri="{FF2B5EF4-FFF2-40B4-BE49-F238E27FC236}">
-                <a16:creationId xmlns:a16="http://schemas.microsoft.com/office/drawing/2014/main" xmlns="" id="{92BFAFBE-7921-43C3-BB8D-B4FE92A8F193}"/>
+                <a16:creationId xmlns="" xmlns:a16="http://schemas.microsoft.com/office/drawing/2014/main" id="{B37B6C43-D224-4347-91A9-7CCB8927EED3}"/>
               </a:ext>
             </a:extLst>
           </p:cNvPr>
@@ -6196,15 +6212,50 @@
             <p:ph type="title"/>
           </p:nvPr>
         </p:nvSpPr>
-        <p:spPr/>
-        <p:txBody>
-          <a:bodyPr/>
+        <p:spPr>
+          <a:xfrm>
+            <a:off x="1295402" y="950048"/>
+            <a:ext cx="9601196" cy="1303867"/>
+          </a:xfrm>
+        </p:spPr>
+        <p:txBody>
+          <a:bodyPr>
+            <a:normAutofit fontScale="90000"/>
+          </a:bodyPr>
           <a:lstStyle/>
           <a:p>
             <a:r>
               <a:rPr lang="th-TH" dirty="0"/>
-              <a:t>การควบคุม</a:t>
-            </a:r>
+              <a:t>เนื้อเรื่อง </a:t>
+            </a:r>
+            <a:r>
+              <a:rPr lang="en-US" dirty="0"/>
+              <a:t>: </a:t>
+            </a:r>
+            <a:r>
+              <a:rPr lang="th-TH" sz="4000" dirty="0"/>
+              <a:t>กลุ่มเอ็นเตอร์ไพรส์จะเข้าวาร์ป แต่ดันเจอ</a:t>
+            </a:r>
+            <a:r>
+              <a:rPr lang="th-TH" sz="4000" dirty="0" smtClean="0"/>
+              <a:t>อุปสรรค</a:t>
+            </a:r>
+            <a:br>
+              <a:rPr lang="th-TH" sz="4000" dirty="0" smtClean="0"/>
+            </a:br>
+            <a:r>
+              <a:rPr lang="th-TH" sz="4000" dirty="0" smtClean="0"/>
+              <a:t>ในการเข้าแกน</a:t>
+            </a:r>
+            <a:r>
+              <a:rPr lang="th-TH" sz="4000" dirty="0" err="1" smtClean="0"/>
+              <a:t>วาร์ป</a:t>
+            </a:r>
+            <a:r>
+              <a:rPr lang="th-TH" sz="4000" dirty="0" smtClean="0"/>
+              <a:t>ทำให้ กลุ่มนักสำรวจต้อง จัดการกับศัตรูที่เข้ามาและผ่านพ้น ไปในพื้นที่เป้าหมายไว้</a:t>
+            </a:r>
+            <a:endParaRPr lang="th-TH" sz="4000" dirty="0"/>
           </a:p>
         </p:txBody>
       </p:sp>
@@ -6213,7 +6264,104 @@
           <p:cNvPr id="5" name="Content Placeholder 4">
             <a:extLst>
               <a:ext uri="{FF2B5EF4-FFF2-40B4-BE49-F238E27FC236}">
-                <a16:creationId xmlns:a16="http://schemas.microsoft.com/office/drawing/2014/main" xmlns="" id="{00446DE8-35CB-45BC-B0E3-BE6A7CC611CE}"/>
+                <a16:creationId xmlns="" xmlns:a16="http://schemas.microsoft.com/office/drawing/2014/main" id="{E477454D-2779-4C4C-81C7-7DA24FD9C612}"/>
+              </a:ext>
+            </a:extLst>
+          </p:cNvPr>
+          <p:cNvPicPr>
+            <a:picLocks noGrp="1" noChangeAspect="1"/>
+          </p:cNvPicPr>
+          <p:nvPr>
+            <p:ph idx="1"/>
+          </p:nvPr>
+        </p:nvPicPr>
+        <p:blipFill>
+          <a:blip r:embed="rId2"/>
+          <a:stretch>
+            <a:fillRect/>
+          </a:stretch>
+        </p:blipFill>
+        <p:spPr>
+          <a:xfrm>
+            <a:off x="2286000" y="3276976"/>
+            <a:ext cx="3810000" cy="2695575"/>
+          </a:xfrm>
+        </p:spPr>
+      </p:pic>
+    </p:spTree>
+    <p:extLst>
+      <p:ext uri="{BB962C8B-B14F-4D97-AF65-F5344CB8AC3E}">
+        <p14:creationId xmlns:p14="http://schemas.microsoft.com/office/powerpoint/2010/main" val="4129572760"/>
+      </p:ext>
+    </p:extLst>
+  </p:cSld>
+  <p:clrMapOvr>
+    <a:masterClrMapping/>
+  </p:clrMapOvr>
+  <p:transition spd="slow">
+    <p:push dir="u"/>
+  </p:transition>
+  <p:timing>
+    <p:tnLst>
+      <p:par>
+        <p:cTn id="1" dur="indefinite" restart="never" nodeType="tmRoot"/>
+      </p:par>
+    </p:tnLst>
+  </p:timing>
+</p:sld>
+</file>
+
+<file path=ppt/slides/slide5.xml><?xml version="1.0" encoding="utf-8"?>
+<p:sld xmlns:a="http://schemas.openxmlformats.org/drawingml/2006/main" xmlns:r="http://schemas.openxmlformats.org/officeDocument/2006/relationships" xmlns:p="http://schemas.openxmlformats.org/presentationml/2006/main">
+  <p:cSld>
+    <p:spTree>
+      <p:nvGrpSpPr>
+        <p:cNvPr id="1" name=""/>
+        <p:cNvGrpSpPr/>
+        <p:nvPr/>
+      </p:nvGrpSpPr>
+      <p:grpSpPr>
+        <a:xfrm>
+          <a:off x="0" y="0"/>
+          <a:ext cx="0" cy="0"/>
+          <a:chOff x="0" y="0"/>
+          <a:chExt cx="0" cy="0"/>
+        </a:xfrm>
+      </p:grpSpPr>
+      <p:sp>
+        <p:nvSpPr>
+          <p:cNvPr id="2" name="Title 1">
+            <a:extLst>
+              <a:ext uri="{FF2B5EF4-FFF2-40B4-BE49-F238E27FC236}">
+                <a16:creationId xmlns="" xmlns:a16="http://schemas.microsoft.com/office/drawing/2014/main" id="{92BFAFBE-7921-43C3-BB8D-B4FE92A8F193}"/>
+              </a:ext>
+            </a:extLst>
+          </p:cNvPr>
+          <p:cNvSpPr>
+            <a:spLocks noGrp="1"/>
+          </p:cNvSpPr>
+          <p:nvPr>
+            <p:ph type="title"/>
+          </p:nvPr>
+        </p:nvSpPr>
+        <p:spPr/>
+        <p:txBody>
+          <a:bodyPr/>
+          <a:lstStyle/>
+          <a:p>
+            <a:r>
+              <a:rPr lang="th-TH" dirty="0"/>
+              <a:t>การควบคุม</a:t>
+            </a:r>
+          </a:p>
+        </p:txBody>
+      </p:sp>
+      <p:pic>
+        <p:nvPicPr>
+          <p:cNvPr id="5" name="Content Placeholder 4">
+            <a:extLst>
+              <a:ext uri="{FF2B5EF4-FFF2-40B4-BE49-F238E27FC236}">
+                <a16:creationId xmlns="" xmlns:a16="http://schemas.microsoft.com/office/drawing/2014/main" id="{00446DE8-35CB-45BC-B0E3-BE6A7CC611CE}"/>
               </a:ext>
             </a:extLst>
           </p:cNvPr>
@@ -6242,7 +6390,7 @@
           <p:cNvPr id="9" name="Picture 8">
             <a:extLst>
               <a:ext uri="{FF2B5EF4-FFF2-40B4-BE49-F238E27FC236}">
-                <a16:creationId xmlns:a16="http://schemas.microsoft.com/office/drawing/2014/main" xmlns="" id="{E3806818-BC50-459E-9BDA-2EB50A5A753B}"/>
+                <a16:creationId xmlns="" xmlns:a16="http://schemas.microsoft.com/office/drawing/2014/main" id="{E3806818-BC50-459E-9BDA-2EB50A5A753B}"/>
               </a:ext>
             </a:extLst>
           </p:cNvPr>
@@ -6283,7 +6431,7 @@
 </p:sld>
 </file>
 
-<file path=ppt/slides/slide5.xml><?xml version="1.0" encoding="utf-8"?>
+<file path=ppt/slides/slide6.xml><?xml version="1.0" encoding="utf-8"?>
 <p:sld xmlns:a="http://schemas.openxmlformats.org/drawingml/2006/main" xmlns:r="http://schemas.openxmlformats.org/officeDocument/2006/relationships" xmlns:p="http://schemas.openxmlformats.org/presentationml/2006/main">
   <p:cSld>
     <p:spTree>
@@ -6305,7 +6453,7 @@
           <p:cNvPr id="2" name="Title 1">
             <a:extLst>
               <a:ext uri="{FF2B5EF4-FFF2-40B4-BE49-F238E27FC236}">
-                <a16:creationId xmlns:a16="http://schemas.microsoft.com/office/drawing/2014/main" xmlns="" id="{27CC5300-03A2-48F5-AFEF-EE3A6DA210D1}"/>
+                <a16:creationId xmlns="" xmlns:a16="http://schemas.microsoft.com/office/drawing/2014/main" id="{27CC5300-03A2-48F5-AFEF-EE3A6DA210D1}"/>
               </a:ext>
             </a:extLst>
           </p:cNvPr>
@@ -6334,7 +6482,7 @@
           <p:cNvPr id="3" name="Content Placeholder 2">
             <a:extLst>
               <a:ext uri="{FF2B5EF4-FFF2-40B4-BE49-F238E27FC236}">
-                <a16:creationId xmlns:a16="http://schemas.microsoft.com/office/drawing/2014/main" xmlns="" id="{E9A8B1F6-38FE-4EF2-9876-16796ED75723}"/>
+                <a16:creationId xmlns="" xmlns:a16="http://schemas.microsoft.com/office/drawing/2014/main" id="{E9A8B1F6-38FE-4EF2-9876-16796ED75723}"/>
               </a:ext>
             </a:extLst>
           </p:cNvPr>
@@ -6368,22 +6516,31 @@
               <a:buNone/>
             </a:pPr>
             <a:r>
-              <a:rPr lang="en-US" sz="2800" dirty="0"/>
+              <a:rPr lang="en-US" sz="2800" dirty="0" smtClean="0"/>
               <a:t>-</a:t>
             </a:r>
             <a:r>
-              <a:rPr lang="en-US" sz="2800" b="1" dirty="0"/>
-              <a:t> </a:t>
-            </a:r>
-            <a:r>
-              <a:rPr lang="en-US" sz="2000" dirty="0"/>
-              <a:t>Move</a:t>
+              <a:rPr lang="th-TH" sz="2800" dirty="0" smtClean="0"/>
+              <a:t>เคลื่อนที่ ซ้าย ขวา </a:t>
             </a:r>
           </a:p>
           <a:p>
             <a:pPr marL="0" indent="0">
               <a:buNone/>
             </a:pPr>
+            <a:r>
+              <a:rPr lang="th-TH" sz="2800" dirty="0" smtClean="0"/>
+              <a:t>-การยิง ปล่อยกระสุน</a:t>
+            </a:r>
+          </a:p>
+          <a:p>
+            <a:pPr marL="0" indent="0">
+              <a:buNone/>
+            </a:pPr>
+            <a:r>
+              <a:rPr lang="th-TH" sz="2800" dirty="0" smtClean="0"/>
+              <a:t>-หลบศัตรู</a:t>
+            </a:r>
             <a:endParaRPr lang="en-US" dirty="0"/>
           </a:p>
         </p:txBody>
@@ -6393,7 +6550,7 @@
           <p:cNvPr id="5" name="Content Placeholder 2">
             <a:extLst>
               <a:ext uri="{FF2B5EF4-FFF2-40B4-BE49-F238E27FC236}">
-                <a16:creationId xmlns:a16="http://schemas.microsoft.com/office/drawing/2014/main" xmlns="" id="{E24B3CBA-CA43-470C-B9BB-082F60233ACF}"/>
+                <a16:creationId xmlns="" xmlns:a16="http://schemas.microsoft.com/office/drawing/2014/main" id="{E24B3CBA-CA43-470C-B9BB-082F60233ACF}"/>
               </a:ext>
             </a:extLst>
           </p:cNvPr>
@@ -6404,7 +6561,7 @@
         </p:nvSpPr>
         <p:spPr>
           <a:xfrm>
-            <a:off x="6096000" y="2556932"/>
+            <a:off x="4718198" y="2556932"/>
             <a:ext cx="2755604" cy="3318936"/>
           </a:xfrm>
           <a:prstGeom prst="rect">
@@ -6665,13 +6822,31 @@
             </a:r>
           </a:p>
           <a:p>
-            <a:pPr marL="0" indent="0">
-              <a:buNone/>
+            <a:pPr>
+              <a:buFontTx/>
+              <a:buChar char="-"/>
             </a:pPr>
             <a:r>
-              <a:rPr lang="en-US" sz="2000" dirty="0"/>
-              <a:t>- Kill enemy/target</a:t>
-            </a:r>
+              <a:rPr lang="th-TH" sz="2000" dirty="0" smtClean="0"/>
+              <a:t>ฆ่าศัตรู</a:t>
+            </a:r>
+          </a:p>
+          <a:p>
+            <a:pPr>
+              <a:buFontTx/>
+              <a:buChar char="-"/>
+            </a:pPr>
+            <a:r>
+              <a:rPr lang="th-TH" sz="2000" dirty="0" smtClean="0"/>
+              <a:t>จัดการศัตรูหมดเพื่อผ่านด่าน</a:t>
+            </a:r>
+          </a:p>
+          <a:p>
+            <a:pPr>
+              <a:buFontTx/>
+              <a:buChar char="-"/>
+            </a:pPr>
+            <a:endParaRPr lang="en-US" sz="2000" dirty="0"/>
           </a:p>
           <a:p>
             <a:pPr marL="0" indent="0">
@@ -6679,6 +6854,373 @@
               <a:buNone/>
             </a:pPr>
             <a:endParaRPr lang="en-US" dirty="0"/>
+          </a:p>
+        </p:txBody>
+      </p:sp>
+      <p:sp>
+        <p:nvSpPr>
+          <p:cNvPr id="6" name="Content Placeholder 2">
+            <a:extLst>
+              <a:ext uri="{FF2B5EF4-FFF2-40B4-BE49-F238E27FC236}">
+                <a16:creationId xmlns="" xmlns:a16="http://schemas.microsoft.com/office/drawing/2014/main" id="{E24B3CBA-CA43-470C-B9BB-082F60233ACF}"/>
+              </a:ext>
+            </a:extLst>
+          </p:cNvPr>
+          <p:cNvSpPr txBox="1">
+            <a:spLocks/>
+          </p:cNvSpPr>
+          <p:nvPr/>
+        </p:nvSpPr>
+        <p:spPr>
+          <a:xfrm>
+            <a:off x="7473802" y="2556932"/>
+            <a:ext cx="2755604" cy="3318936"/>
+          </a:xfrm>
+          <a:prstGeom prst="rect">
+            <a:avLst/>
+          </a:prstGeom>
+        </p:spPr>
+        <p:txBody>
+          <a:bodyPr vert="horz" lIns="91440" tIns="45720" rIns="91440" bIns="45720" rtlCol="0" anchor="t">
+            <a:normAutofit/>
+          </a:bodyPr>
+          <a:lstStyle>
+            <a:lvl1pPr marL="285750" indent="-285750" algn="l" defTabSz="457200" rtl="0" eaLnBrk="1" latinLnBrk="0" hangingPunct="1">
+              <a:spcBef>
+                <a:spcPct val="20000"/>
+              </a:spcBef>
+              <a:spcAft>
+                <a:spcPts val="600"/>
+              </a:spcAft>
+              <a:buClr>
+                <a:schemeClr val="accent1"/>
+              </a:buClr>
+              <a:buSzPct val="115000"/>
+              <a:buFont typeface="Arial"/>
+              <a:buChar char="•"/>
+              <a:defRPr sz="2400" kern="1200" cap="none">
+                <a:solidFill>
+                  <a:schemeClr val="tx1">
+                    <a:lumMod val="85000"/>
+                    <a:lumOff val="15000"/>
+                  </a:schemeClr>
+                </a:solidFill>
+                <a:effectLst/>
+                <a:latin typeface="+mn-lt"/>
+                <a:ea typeface="+mn-ea"/>
+                <a:cs typeface="+mn-cs"/>
+              </a:defRPr>
+            </a:lvl1pPr>
+            <a:lvl2pPr marL="742950" indent="-285750" algn="l" defTabSz="457200" rtl="0" eaLnBrk="1" latinLnBrk="0" hangingPunct="1">
+              <a:spcBef>
+                <a:spcPct val="20000"/>
+              </a:spcBef>
+              <a:spcAft>
+                <a:spcPts val="600"/>
+              </a:spcAft>
+              <a:buClr>
+                <a:schemeClr val="accent1"/>
+              </a:buClr>
+              <a:buSzPct val="115000"/>
+              <a:buFont typeface="Arial"/>
+              <a:buChar char="•"/>
+              <a:defRPr sz="2000" kern="1200" cap="none">
+                <a:solidFill>
+                  <a:schemeClr val="tx1">
+                    <a:lumMod val="85000"/>
+                    <a:lumOff val="15000"/>
+                  </a:schemeClr>
+                </a:solidFill>
+                <a:effectLst/>
+                <a:latin typeface="+mn-lt"/>
+                <a:ea typeface="+mn-ea"/>
+                <a:cs typeface="+mn-cs"/>
+              </a:defRPr>
+            </a:lvl2pPr>
+            <a:lvl3pPr marL="1200150" indent="-285750" algn="l" defTabSz="457200" rtl="0" eaLnBrk="1" latinLnBrk="0" hangingPunct="1">
+              <a:spcBef>
+                <a:spcPct val="20000"/>
+              </a:spcBef>
+              <a:spcAft>
+                <a:spcPts val="600"/>
+              </a:spcAft>
+              <a:buClr>
+                <a:schemeClr val="accent1"/>
+              </a:buClr>
+              <a:buSzPct val="115000"/>
+              <a:buFont typeface="Arial"/>
+              <a:buChar char="•"/>
+              <a:defRPr sz="1800" kern="1200" cap="none">
+                <a:solidFill>
+                  <a:schemeClr val="tx1">
+                    <a:lumMod val="85000"/>
+                    <a:lumOff val="15000"/>
+                  </a:schemeClr>
+                </a:solidFill>
+                <a:effectLst/>
+                <a:latin typeface="+mn-lt"/>
+                <a:ea typeface="+mn-ea"/>
+                <a:cs typeface="+mn-cs"/>
+              </a:defRPr>
+            </a:lvl3pPr>
+            <a:lvl4pPr marL="1543050" indent="-171450" algn="l" defTabSz="457200" rtl="0" eaLnBrk="1" latinLnBrk="0" hangingPunct="1">
+              <a:spcBef>
+                <a:spcPct val="20000"/>
+              </a:spcBef>
+              <a:spcAft>
+                <a:spcPts val="600"/>
+              </a:spcAft>
+              <a:buClr>
+                <a:schemeClr val="accent1"/>
+              </a:buClr>
+              <a:buSzPct val="115000"/>
+              <a:buFont typeface="Arial"/>
+              <a:buChar char="•"/>
+              <a:defRPr sz="1600" kern="1200" cap="none">
+                <a:solidFill>
+                  <a:schemeClr val="tx1">
+                    <a:lumMod val="85000"/>
+                    <a:lumOff val="15000"/>
+                  </a:schemeClr>
+                </a:solidFill>
+                <a:effectLst/>
+                <a:latin typeface="+mn-lt"/>
+                <a:ea typeface="+mn-ea"/>
+                <a:cs typeface="+mn-cs"/>
+              </a:defRPr>
+            </a:lvl4pPr>
+            <a:lvl5pPr marL="2000250" indent="-171450" algn="l" defTabSz="457200" rtl="0" eaLnBrk="1" latinLnBrk="0" hangingPunct="1">
+              <a:spcBef>
+                <a:spcPct val="20000"/>
+              </a:spcBef>
+              <a:spcAft>
+                <a:spcPts val="600"/>
+              </a:spcAft>
+              <a:buClr>
+                <a:schemeClr val="accent1"/>
+              </a:buClr>
+              <a:buSzPct val="115000"/>
+              <a:buFont typeface="Arial"/>
+              <a:buChar char="•"/>
+              <a:defRPr sz="1400" kern="1200" cap="none">
+                <a:solidFill>
+                  <a:schemeClr val="tx1">
+                    <a:lumMod val="85000"/>
+                    <a:lumOff val="15000"/>
+                  </a:schemeClr>
+                </a:solidFill>
+                <a:effectLst/>
+                <a:latin typeface="+mn-lt"/>
+                <a:ea typeface="+mn-ea"/>
+                <a:cs typeface="+mn-cs"/>
+              </a:defRPr>
+            </a:lvl5pPr>
+            <a:lvl6pPr marL="2514600" indent="-228600" algn="l" defTabSz="457200" rtl="0" eaLnBrk="1" latinLnBrk="0" hangingPunct="1">
+              <a:spcBef>
+                <a:spcPct val="20000"/>
+              </a:spcBef>
+              <a:spcAft>
+                <a:spcPts val="600"/>
+              </a:spcAft>
+              <a:buClr>
+                <a:schemeClr val="accent1"/>
+              </a:buClr>
+              <a:buSzPct val="115000"/>
+              <a:buFont typeface="Arial"/>
+              <a:buChar char="•"/>
+              <a:defRPr sz="1400" kern="1200" cap="none">
+                <a:solidFill>
+                  <a:schemeClr val="tx1">
+                    <a:lumMod val="85000"/>
+                    <a:lumOff val="15000"/>
+                  </a:schemeClr>
+                </a:solidFill>
+                <a:effectLst/>
+                <a:latin typeface="+mn-lt"/>
+                <a:ea typeface="+mn-ea"/>
+                <a:cs typeface="+mn-cs"/>
+              </a:defRPr>
+            </a:lvl6pPr>
+            <a:lvl7pPr marL="2971800" indent="-228600" algn="l" defTabSz="457200" rtl="0" eaLnBrk="1" latinLnBrk="0" hangingPunct="1">
+              <a:spcBef>
+                <a:spcPct val="20000"/>
+              </a:spcBef>
+              <a:spcAft>
+                <a:spcPts val="600"/>
+              </a:spcAft>
+              <a:buClr>
+                <a:schemeClr val="accent1"/>
+              </a:buClr>
+              <a:buSzPct val="115000"/>
+              <a:buFont typeface="Arial"/>
+              <a:buChar char="•"/>
+              <a:defRPr sz="1400" kern="1200" cap="none">
+                <a:solidFill>
+                  <a:schemeClr val="tx1">
+                    <a:lumMod val="85000"/>
+                    <a:lumOff val="15000"/>
+                  </a:schemeClr>
+                </a:solidFill>
+                <a:effectLst/>
+                <a:latin typeface="+mn-lt"/>
+                <a:ea typeface="+mn-ea"/>
+                <a:cs typeface="+mn-cs"/>
+              </a:defRPr>
+            </a:lvl7pPr>
+            <a:lvl8pPr marL="3429000" indent="-228600" algn="l" defTabSz="457200" rtl="0" eaLnBrk="1" latinLnBrk="0" hangingPunct="1">
+              <a:spcBef>
+                <a:spcPct val="20000"/>
+              </a:spcBef>
+              <a:spcAft>
+                <a:spcPts val="600"/>
+              </a:spcAft>
+              <a:buClr>
+                <a:schemeClr val="accent1"/>
+              </a:buClr>
+              <a:buSzPct val="115000"/>
+              <a:buFont typeface="Arial"/>
+              <a:buChar char="•"/>
+              <a:defRPr sz="1400" kern="1200" cap="none">
+                <a:solidFill>
+                  <a:schemeClr val="tx1">
+                    <a:lumMod val="85000"/>
+                    <a:lumOff val="15000"/>
+                  </a:schemeClr>
+                </a:solidFill>
+                <a:effectLst/>
+                <a:latin typeface="+mn-lt"/>
+                <a:ea typeface="+mn-ea"/>
+                <a:cs typeface="+mn-cs"/>
+              </a:defRPr>
+            </a:lvl8pPr>
+            <a:lvl9pPr marL="3886200" indent="-228600" algn="l" defTabSz="457200" rtl="0" eaLnBrk="1" latinLnBrk="0" hangingPunct="1">
+              <a:spcBef>
+                <a:spcPct val="20000"/>
+              </a:spcBef>
+              <a:spcAft>
+                <a:spcPts val="600"/>
+              </a:spcAft>
+              <a:buClr>
+                <a:schemeClr val="accent1"/>
+              </a:buClr>
+              <a:buSzPct val="115000"/>
+              <a:buFont typeface="Arial"/>
+              <a:buChar char="•"/>
+              <a:defRPr sz="1400" kern="1200" cap="none">
+                <a:solidFill>
+                  <a:schemeClr val="tx1">
+                    <a:lumMod val="85000"/>
+                    <a:lumOff val="15000"/>
+                  </a:schemeClr>
+                </a:solidFill>
+                <a:effectLst/>
+                <a:latin typeface="+mn-lt"/>
+                <a:ea typeface="+mn-ea"/>
+                <a:cs typeface="+mn-cs"/>
+              </a:defRPr>
+            </a:lvl9pPr>
+          </a:lstStyle>
+          <a:p>
+            <a:pPr marL="0" indent="0">
+              <a:buNone/>
+            </a:pPr>
+            <a:r>
+              <a:rPr lang="en-US" b="1" dirty="0" smtClean="0"/>
+              <a:t>Experience</a:t>
+            </a:r>
+            <a:r>
+              <a:rPr lang="en-US" sz="2800" b="1" dirty="0"/>
+              <a:t>		</a:t>
+            </a:r>
+          </a:p>
+          <a:p>
+            <a:pPr>
+              <a:buFontTx/>
+              <a:buChar char="-"/>
+            </a:pPr>
+            <a:r>
+              <a:rPr lang="th-TH" sz="2000" dirty="0" smtClean="0"/>
+              <a:t>เอาชีวิตรอด </a:t>
+            </a:r>
+            <a:r>
+              <a:rPr lang="th-TH" sz="2000" dirty="0"/>
+              <a:t>  </a:t>
+            </a:r>
+            <a:r>
+              <a:rPr lang="th-TH" sz="2000" dirty="0" smtClean="0"/>
+              <a:t>ความตื่นเต้น</a:t>
+            </a:r>
+          </a:p>
+          <a:p>
+            <a:pPr>
+              <a:buFontTx/>
+              <a:buChar char="-"/>
+            </a:pPr>
+            <a:endParaRPr lang="th-TH" sz="2000" dirty="0" smtClean="0"/>
+          </a:p>
+          <a:p>
+            <a:pPr>
+              <a:buFontTx/>
+              <a:buChar char="-"/>
+            </a:pPr>
+            <a:endParaRPr lang="th-TH" sz="2000" dirty="0"/>
+          </a:p>
+          <a:p>
+            <a:pPr marL="914400" lvl="2" indent="0">
+              <a:buNone/>
+            </a:pPr>
+            <a:r>
+              <a:rPr lang="th-TH" sz="2000" dirty="0" smtClean="0"/>
+              <a:t>  สนุก </a:t>
+            </a:r>
+            <a:endParaRPr lang="en-US" sz="2000" dirty="0"/>
+          </a:p>
+          <a:p>
+            <a:pPr marL="0" indent="0">
+              <a:buFont typeface="Arial"/>
+              <a:buNone/>
+            </a:pPr>
+            <a:endParaRPr lang="en-US" dirty="0"/>
+          </a:p>
+        </p:txBody>
+      </p:sp>
+      <p:sp>
+        <p:nvSpPr>
+          <p:cNvPr id="4" name="ลูกศรลง 3"/>
+          <p:cNvSpPr/>
+          <p:nvPr/>
+        </p:nvSpPr>
+        <p:spPr>
+          <a:xfrm>
+            <a:off x="8402425" y="3654927"/>
+            <a:ext cx="629280" cy="724568"/>
+          </a:xfrm>
+          <a:prstGeom prst="downArrow">
+            <a:avLst/>
+          </a:prstGeom>
+        </p:spPr>
+        <p:style>
+          <a:lnRef idx="2">
+            <a:schemeClr val="accent1">
+              <a:shade val="50000"/>
+            </a:schemeClr>
+          </a:lnRef>
+          <a:fillRef idx="1">
+            <a:schemeClr val="accent1"/>
+          </a:fillRef>
+          <a:effectRef idx="0">
+            <a:schemeClr val="accent1"/>
+          </a:effectRef>
+          <a:fontRef idx="minor">
+            <a:schemeClr val="lt1"/>
+          </a:fontRef>
+        </p:style>
+        <p:txBody>
+          <a:bodyPr rtlCol="0" anchor="ctr"/>
+          <a:lstStyle/>
+          <a:p>
+            <a:pPr algn="ctr"/>
+            <a:endParaRPr lang="th-TH"/>
           </a:p>
         </p:txBody>
       </p:sp>
@@ -6707,7 +7249,7 @@
 </p:sld>
 </file>
 
-<file path=ppt/slides/slide6.xml><?xml version="1.0" encoding="utf-8"?>
+<file path=ppt/slides/slide7.xml><?xml version="1.0" encoding="utf-8"?>
 <p:sld xmlns:a="http://schemas.openxmlformats.org/drawingml/2006/main" xmlns:r="http://schemas.openxmlformats.org/officeDocument/2006/relationships" xmlns:p="http://schemas.openxmlformats.org/presentationml/2006/main">
   <p:cSld>
     <p:spTree>
@@ -6729,7 +7271,7 @@
           <p:cNvPr id="2" name="Title 1">
             <a:extLst>
               <a:ext uri="{FF2B5EF4-FFF2-40B4-BE49-F238E27FC236}">
-                <a16:creationId xmlns:a16="http://schemas.microsoft.com/office/drawing/2014/main" xmlns="" id="{E48D8862-90A9-46CC-BF76-6079EDFE0918}"/>
+                <a16:creationId xmlns="" xmlns:a16="http://schemas.microsoft.com/office/drawing/2014/main" id="{E48D8862-90A9-46CC-BF76-6079EDFE0918}"/>
               </a:ext>
             </a:extLst>
           </p:cNvPr>
@@ -6747,7 +7289,11 @@
           <a:p>
             <a:r>
               <a:rPr lang="en-US" dirty="0"/>
-              <a:t>Concept art</a:t>
+              <a:t>Concept </a:t>
+            </a:r>
+            <a:r>
+              <a:rPr lang="en-US" smtClean="0"/>
+              <a:t>art by paint </a:t>
             </a:r>
             <a:endParaRPr lang="th-TH" dirty="0"/>
           </a:p>
@@ -6758,7 +7304,7 @@
           <p:cNvPr id="5" name="Content Placeholder 4">
             <a:extLst>
               <a:ext uri="{FF2B5EF4-FFF2-40B4-BE49-F238E27FC236}">
-                <a16:creationId xmlns:a16="http://schemas.microsoft.com/office/drawing/2014/main" xmlns="" id="{3AB4DDC0-EC83-4993-BF78-8FCAE08A18A9}"/>
+                <a16:creationId xmlns="" xmlns:a16="http://schemas.microsoft.com/office/drawing/2014/main" id="{3AB4DDC0-EC83-4993-BF78-8FCAE08A18A9}"/>
               </a:ext>
             </a:extLst>
           </p:cNvPr>
@@ -6787,7 +7333,7 @@
           <p:cNvPr id="7" name="Picture 6">
             <a:extLst>
               <a:ext uri="{FF2B5EF4-FFF2-40B4-BE49-F238E27FC236}">
-                <a16:creationId xmlns:a16="http://schemas.microsoft.com/office/drawing/2014/main" xmlns="" id="{C97AC456-C64F-4F44-9A09-3E377FCB9E95}"/>
+                <a16:creationId xmlns="" xmlns:a16="http://schemas.microsoft.com/office/drawing/2014/main" id="{C97AC456-C64F-4F44-9A09-3E377FCB9E95}"/>
               </a:ext>
             </a:extLst>
           </p:cNvPr>
@@ -6837,7 +7383,7 @@
 </p:sld>
 </file>
 
-<file path=ppt/slides/slide7.xml><?xml version="1.0" encoding="utf-8"?>
+<file path=ppt/slides/slide8.xml><?xml version="1.0" encoding="utf-8"?>
 <p:sld xmlns:a="http://schemas.openxmlformats.org/drawingml/2006/main" xmlns:r="http://schemas.openxmlformats.org/officeDocument/2006/relationships" xmlns:p="http://schemas.openxmlformats.org/presentationml/2006/main">
   <p:cSld>
     <p:spTree>
@@ -6859,7 +7405,7 @@
           <p:cNvPr id="2" name="Title 1">
             <a:extLst>
               <a:ext uri="{FF2B5EF4-FFF2-40B4-BE49-F238E27FC236}">
-                <a16:creationId xmlns:a16="http://schemas.microsoft.com/office/drawing/2014/main" xmlns="" id="{BAFABC1E-5BE7-42DF-8FC0-6C46A4AB5F82}"/>
+                <a16:creationId xmlns="" xmlns:a16="http://schemas.microsoft.com/office/drawing/2014/main" id="{BAFABC1E-5BE7-42DF-8FC0-6C46A4AB5F82}"/>
               </a:ext>
             </a:extLst>
           </p:cNvPr>

--- a/Enterprise ship.pptx
+++ b/Enterprise ship.pptx
@@ -5826,7 +5826,7 @@
           <p:cNvPr id="2" name="Title 1">
             <a:extLst>
               <a:ext uri="{FF2B5EF4-FFF2-40B4-BE49-F238E27FC236}">
-                <a16:creationId xmlns="" xmlns:a16="http://schemas.microsoft.com/office/drawing/2014/main" id="{5B26FFD3-5F3D-4786-9707-F4980E3550A8}"/>
+                <a16:creationId xmlns:a16="http://schemas.microsoft.com/office/drawing/2014/main" xmlns="" id="{5B26FFD3-5F3D-4786-9707-F4980E3550A8}"/>
               </a:ext>
             </a:extLst>
           </p:cNvPr>
@@ -5861,7 +5861,7 @@
     <a:masterClrMapping/>
   </p:clrMapOvr>
   <mc:AlternateContent xmlns:mc="http://schemas.openxmlformats.org/markup-compatibility/2006">
-    <mc:Choice xmlns="" xmlns:p159="http://schemas.microsoft.com/office/powerpoint/2015/09/main" Requires="p159">
+    <mc:Choice xmlns:p159="http://schemas.microsoft.com/office/powerpoint/2015/09/main" xmlns="" Requires="p159">
       <p:transition xmlns:p14="http://schemas.microsoft.com/office/powerpoint/2010/main" spd="slow" p14:dur="2000">
         <p159:morph option="byObject"/>
       </p:transition>
@@ -6157,13 +6157,13 @@
   <p:clrMapOvr>
     <a:masterClrMapping/>
   </p:clrMapOvr>
-  <mc:AlternateContent xmlns:mc="http://schemas.openxmlformats.org/markup-compatibility/2006">
-    <mc:Choice xmlns:p14="http://schemas.microsoft.com/office/powerpoint/2010/main" Requires="p14">
+  <mc:AlternateContent xmlns:mc="http://schemas.openxmlformats.org/markup-compatibility/2006" xmlns:p14="http://schemas.microsoft.com/office/powerpoint/2010/main">
+    <mc:Choice Requires="p14">
       <p:transition spd="med" p14:dur="700">
         <p:fade/>
       </p:transition>
     </mc:Choice>
-    <mc:Fallback>
+    <mc:Fallback xmlns="">
       <p:transition spd="med">
         <p:fade/>
       </p:transition>
@@ -6201,7 +6201,7 @@
           <p:cNvPr id="2" name="Title 1">
             <a:extLst>
               <a:ext uri="{FF2B5EF4-FFF2-40B4-BE49-F238E27FC236}">
-                <a16:creationId xmlns="" xmlns:a16="http://schemas.microsoft.com/office/drawing/2014/main" id="{B37B6C43-D224-4347-91A9-7CCB8927EED3}"/>
+                <a16:creationId xmlns:a16="http://schemas.microsoft.com/office/drawing/2014/main" xmlns="" id="{B37B6C43-D224-4347-91A9-7CCB8927EED3}"/>
               </a:ext>
             </a:extLst>
           </p:cNvPr>
@@ -6264,7 +6264,7 @@
           <p:cNvPr id="5" name="Content Placeholder 4">
             <a:extLst>
               <a:ext uri="{FF2B5EF4-FFF2-40B4-BE49-F238E27FC236}">
-                <a16:creationId xmlns="" xmlns:a16="http://schemas.microsoft.com/office/drawing/2014/main" id="{E477454D-2779-4C4C-81C7-7DA24FD9C612}"/>
+                <a16:creationId xmlns:a16="http://schemas.microsoft.com/office/drawing/2014/main" xmlns="" id="{E477454D-2779-4C4C-81C7-7DA24FD9C612}"/>
               </a:ext>
             </a:extLst>
           </p:cNvPr>
@@ -6333,7 +6333,7 @@
           <p:cNvPr id="2" name="Title 1">
             <a:extLst>
               <a:ext uri="{FF2B5EF4-FFF2-40B4-BE49-F238E27FC236}">
-                <a16:creationId xmlns="" xmlns:a16="http://schemas.microsoft.com/office/drawing/2014/main" id="{92BFAFBE-7921-43C3-BB8D-B4FE92A8F193}"/>
+                <a16:creationId xmlns:a16="http://schemas.microsoft.com/office/drawing/2014/main" xmlns="" id="{92BFAFBE-7921-43C3-BB8D-B4FE92A8F193}"/>
               </a:ext>
             </a:extLst>
           </p:cNvPr>
@@ -6361,7 +6361,7 @@
           <p:cNvPr id="5" name="Content Placeholder 4">
             <a:extLst>
               <a:ext uri="{FF2B5EF4-FFF2-40B4-BE49-F238E27FC236}">
-                <a16:creationId xmlns="" xmlns:a16="http://schemas.microsoft.com/office/drawing/2014/main" id="{00446DE8-35CB-45BC-B0E3-BE6A7CC611CE}"/>
+                <a16:creationId xmlns:a16="http://schemas.microsoft.com/office/drawing/2014/main" xmlns="" id="{00446DE8-35CB-45BC-B0E3-BE6A7CC611CE}"/>
               </a:ext>
             </a:extLst>
           </p:cNvPr>
@@ -6390,7 +6390,7 @@
           <p:cNvPr id="9" name="Picture 8">
             <a:extLst>
               <a:ext uri="{FF2B5EF4-FFF2-40B4-BE49-F238E27FC236}">
-                <a16:creationId xmlns="" xmlns:a16="http://schemas.microsoft.com/office/drawing/2014/main" id="{E3806818-BC50-459E-9BDA-2EB50A5A753B}"/>
+                <a16:creationId xmlns:a16="http://schemas.microsoft.com/office/drawing/2014/main" xmlns="" id="{E3806818-BC50-459E-9BDA-2EB50A5A753B}"/>
               </a:ext>
             </a:extLst>
           </p:cNvPr>
@@ -6453,7 +6453,7 @@
           <p:cNvPr id="2" name="Title 1">
             <a:extLst>
               <a:ext uri="{FF2B5EF4-FFF2-40B4-BE49-F238E27FC236}">
-                <a16:creationId xmlns="" xmlns:a16="http://schemas.microsoft.com/office/drawing/2014/main" id="{27CC5300-03A2-48F5-AFEF-EE3A6DA210D1}"/>
+                <a16:creationId xmlns:a16="http://schemas.microsoft.com/office/drawing/2014/main" xmlns="" id="{27CC5300-03A2-48F5-AFEF-EE3A6DA210D1}"/>
               </a:ext>
             </a:extLst>
           </p:cNvPr>
@@ -6470,8 +6470,8 @@
           <a:lstStyle/>
           <a:p>
             <a:r>
-              <a:rPr lang="en-US" dirty="0"/>
-              <a:t>Gameplay </a:t>
+              <a:rPr lang="en-US" dirty="0" smtClean="0"/>
+              <a:t>AGE Diagram </a:t>
             </a:r>
             <a:endParaRPr lang="th-TH" dirty="0"/>
           </a:p>
@@ -6482,7 +6482,7 @@
           <p:cNvPr id="3" name="Content Placeholder 2">
             <a:extLst>
               <a:ext uri="{FF2B5EF4-FFF2-40B4-BE49-F238E27FC236}">
-                <a16:creationId xmlns="" xmlns:a16="http://schemas.microsoft.com/office/drawing/2014/main" id="{E9A8B1F6-38FE-4EF2-9876-16796ED75723}"/>
+                <a16:creationId xmlns:a16="http://schemas.microsoft.com/office/drawing/2014/main" xmlns="" id="{E9A8B1F6-38FE-4EF2-9876-16796ED75723}"/>
               </a:ext>
             </a:extLst>
           </p:cNvPr>
@@ -6537,10 +6537,6 @@
             <a:pPr marL="0" indent="0">
               <a:buNone/>
             </a:pPr>
-            <a:r>
-              <a:rPr lang="th-TH" sz="2800" dirty="0" smtClean="0"/>
-              <a:t>-หลบศัตรู</a:t>
-            </a:r>
             <a:endParaRPr lang="en-US" dirty="0"/>
           </a:p>
         </p:txBody>
@@ -6550,7 +6546,7 @@
           <p:cNvPr id="5" name="Content Placeholder 2">
             <a:extLst>
               <a:ext uri="{FF2B5EF4-FFF2-40B4-BE49-F238E27FC236}">
-                <a16:creationId xmlns="" xmlns:a16="http://schemas.microsoft.com/office/drawing/2014/main" id="{E24B3CBA-CA43-470C-B9BB-082F60233ACF}"/>
+                <a16:creationId xmlns:a16="http://schemas.microsoft.com/office/drawing/2014/main" xmlns="" id="{E24B3CBA-CA43-470C-B9BB-082F60233ACF}"/>
               </a:ext>
             </a:extLst>
           </p:cNvPr>
@@ -6828,8 +6824,23 @@
             </a:pPr>
             <a:r>
               <a:rPr lang="th-TH" sz="2000" dirty="0" smtClean="0"/>
-              <a:t>ฆ่าศัตรู</a:t>
-            </a:r>
+              <a:t>ฆ่า</a:t>
+            </a:r>
+            <a:r>
+              <a:rPr lang="th-TH" sz="2000" dirty="0" smtClean="0"/>
+              <a:t>ศัตรู</a:t>
+            </a:r>
+          </a:p>
+          <a:p>
+            <a:pPr>
+              <a:buFontTx/>
+              <a:buChar char="-"/>
+            </a:pPr>
+            <a:r>
+              <a:rPr lang="th-TH" sz="2000" dirty="0" smtClean="0"/>
+              <a:t>หลบศัตรู/สิ่งขีดขวาง</a:t>
+            </a:r>
+            <a:endParaRPr lang="th-TH" sz="2000" dirty="0" smtClean="0"/>
           </a:p>
           <a:p>
             <a:pPr>
@@ -6862,7 +6873,7 @@
           <p:cNvPr id="6" name="Content Placeholder 2">
             <a:extLst>
               <a:ext uri="{FF2B5EF4-FFF2-40B4-BE49-F238E27FC236}">
-                <a16:creationId xmlns="" xmlns:a16="http://schemas.microsoft.com/office/drawing/2014/main" id="{E24B3CBA-CA43-470C-B9BB-082F60233ACF}"/>
+                <a16:creationId xmlns:a16="http://schemas.microsoft.com/office/drawing/2014/main" xmlns="" id="{E24B3CBA-CA43-470C-B9BB-082F60233ACF}"/>
               </a:ext>
             </a:extLst>
           </p:cNvPr>
@@ -6874,7 +6885,7 @@
         <p:spPr>
           <a:xfrm>
             <a:off x="7473802" y="2556932"/>
-            <a:ext cx="2755604" cy="3318936"/>
+            <a:ext cx="3563166" cy="3318936"/>
           </a:xfrm>
           <a:prstGeom prst="rect">
             <a:avLst/>
@@ -7134,9 +7145,8 @@
             </a:r>
           </a:p>
           <a:p>
-            <a:pPr>
-              <a:buFontTx/>
-              <a:buChar char="-"/>
+            <a:pPr marL="0" indent="0">
+              <a:buNone/>
             </a:pPr>
             <a:r>
               <a:rPr lang="th-TH" sz="2000" dirty="0" smtClean="0"/>
@@ -7148,8 +7158,13 @@
             </a:r>
             <a:r>
               <a:rPr lang="th-TH" sz="2000" dirty="0" smtClean="0"/>
-              <a:t>ความตื่นเต้น</a:t>
-            </a:r>
+              <a:t>ความ</a:t>
+            </a:r>
+            <a:r>
+              <a:rPr lang="th-TH" sz="2000" dirty="0" smtClean="0"/>
+              <a:t>ตื่นเต้น ความแค้น ความโกรธ</a:t>
+            </a:r>
+            <a:endParaRPr lang="th-TH" sz="2000" dirty="0" smtClean="0"/>
           </a:p>
           <a:p>
             <a:pPr>
@@ -7171,7 +7186,11 @@
             </a:pPr>
             <a:r>
               <a:rPr lang="th-TH" sz="2000" dirty="0" smtClean="0"/>
-              <a:t>  สนุก </a:t>
+              <a:t>	  </a:t>
+            </a:r>
+            <a:r>
+              <a:rPr lang="th-TH" sz="2000" dirty="0" smtClean="0"/>
+              <a:t>สนุก </a:t>
             </a:r>
             <a:endParaRPr lang="en-US" sz="2000" dirty="0"/>
           </a:p>
@@ -7192,7 +7211,7 @@
         </p:nvSpPr>
         <p:spPr>
           <a:xfrm>
-            <a:off x="8402425" y="3654927"/>
+            <a:off x="8780324" y="3654927"/>
             <a:ext cx="629280" cy="724568"/>
           </a:xfrm>
           <a:prstGeom prst="downArrow">
@@ -7224,6 +7243,72 @@
           </a:p>
         </p:txBody>
       </p:sp>
+      <p:cxnSp>
+        <p:nvCxnSpPr>
+          <p:cNvPr id="12" name="ตัวเชื่อมต่อหักมุม 11"/>
+          <p:cNvCxnSpPr/>
+          <p:nvPr/>
+        </p:nvCxnSpPr>
+        <p:spPr>
+          <a:xfrm>
+            <a:off x="3481137" y="3449053"/>
+            <a:ext cx="1237061" cy="320842"/>
+          </a:xfrm>
+          <a:prstGeom prst="bentConnector3">
+            <a:avLst/>
+          </a:prstGeom>
+          <a:ln>
+            <a:tailEnd type="triangle"/>
+          </a:ln>
+        </p:spPr>
+        <p:style>
+          <a:lnRef idx="1">
+            <a:schemeClr val="accent1"/>
+          </a:lnRef>
+          <a:fillRef idx="0">
+            <a:schemeClr val="accent1"/>
+          </a:fillRef>
+          <a:effectRef idx="0">
+            <a:schemeClr val="accent1"/>
+          </a:effectRef>
+          <a:fontRef idx="minor">
+            <a:schemeClr val="tx1"/>
+          </a:fontRef>
+        </p:style>
+      </p:cxnSp>
+      <p:cxnSp>
+        <p:nvCxnSpPr>
+          <p:cNvPr id="14" name="ตัวเชื่อมต่อหักมุม 13"/>
+          <p:cNvCxnSpPr/>
+          <p:nvPr/>
+        </p:nvCxnSpPr>
+        <p:spPr>
+          <a:xfrm flipV="1">
+            <a:off x="3481137" y="3272589"/>
+            <a:ext cx="1237061" cy="770022"/>
+          </a:xfrm>
+          <a:prstGeom prst="bentConnector3">
+            <a:avLst/>
+          </a:prstGeom>
+          <a:ln>
+            <a:tailEnd type="triangle"/>
+          </a:ln>
+        </p:spPr>
+        <p:style>
+          <a:lnRef idx="1">
+            <a:schemeClr val="accent1"/>
+          </a:lnRef>
+          <a:fillRef idx="0">
+            <a:schemeClr val="accent1"/>
+          </a:fillRef>
+          <a:effectRef idx="0">
+            <a:schemeClr val="accent1"/>
+          </a:effectRef>
+          <a:fontRef idx="minor">
+            <a:schemeClr val="tx1"/>
+          </a:fontRef>
+        </p:style>
+      </p:cxnSp>
     </p:spTree>
     <p:extLst>
       <p:ext uri="{BB962C8B-B14F-4D97-AF65-F5344CB8AC3E}">
@@ -7271,7 +7356,7 @@
           <p:cNvPr id="2" name="Title 1">
             <a:extLst>
               <a:ext uri="{FF2B5EF4-FFF2-40B4-BE49-F238E27FC236}">
-                <a16:creationId xmlns="" xmlns:a16="http://schemas.microsoft.com/office/drawing/2014/main" id="{E48D8862-90A9-46CC-BF76-6079EDFE0918}"/>
+                <a16:creationId xmlns:a16="http://schemas.microsoft.com/office/drawing/2014/main" xmlns="" id="{E48D8862-90A9-46CC-BF76-6079EDFE0918}"/>
               </a:ext>
             </a:extLst>
           </p:cNvPr>
@@ -7304,7 +7389,7 @@
           <p:cNvPr id="5" name="Content Placeholder 4">
             <a:extLst>
               <a:ext uri="{FF2B5EF4-FFF2-40B4-BE49-F238E27FC236}">
-                <a16:creationId xmlns="" xmlns:a16="http://schemas.microsoft.com/office/drawing/2014/main" id="{3AB4DDC0-EC83-4993-BF78-8FCAE08A18A9}"/>
+                <a16:creationId xmlns:a16="http://schemas.microsoft.com/office/drawing/2014/main" xmlns="" id="{3AB4DDC0-EC83-4993-BF78-8FCAE08A18A9}"/>
               </a:ext>
             </a:extLst>
           </p:cNvPr>
@@ -7333,7 +7418,7 @@
           <p:cNvPr id="7" name="Picture 6">
             <a:extLst>
               <a:ext uri="{FF2B5EF4-FFF2-40B4-BE49-F238E27FC236}">
-                <a16:creationId xmlns="" xmlns:a16="http://schemas.microsoft.com/office/drawing/2014/main" id="{C97AC456-C64F-4F44-9A09-3E377FCB9E95}"/>
+                <a16:creationId xmlns:a16="http://schemas.microsoft.com/office/drawing/2014/main" xmlns="" id="{C97AC456-C64F-4F44-9A09-3E377FCB9E95}"/>
               </a:ext>
             </a:extLst>
           </p:cNvPr>
@@ -7405,7 +7490,7 @@
           <p:cNvPr id="2" name="Title 1">
             <a:extLst>
               <a:ext uri="{FF2B5EF4-FFF2-40B4-BE49-F238E27FC236}">
-                <a16:creationId xmlns="" xmlns:a16="http://schemas.microsoft.com/office/drawing/2014/main" id="{BAFABC1E-5BE7-42DF-8FC0-6C46A4AB5F82}"/>
+                <a16:creationId xmlns:a16="http://schemas.microsoft.com/office/drawing/2014/main" xmlns="" id="{BAFABC1E-5BE7-42DF-8FC0-6C46A4AB5F82}"/>
               </a:ext>
             </a:extLst>
           </p:cNvPr>

--- a/Enterprise ship.pptx
+++ b/Enterprise ship.pptx
@@ -6893,7 +6893,7 @@
         </p:spPr>
         <p:txBody>
           <a:bodyPr vert="horz" lIns="91440" tIns="45720" rIns="91440" bIns="45720" rtlCol="0" anchor="t">
-            <a:normAutofit/>
+            <a:normAutofit fontScale="85000" lnSpcReduction="20000"/>
           </a:bodyPr>
           <a:lstStyle>
             <a:lvl1pPr marL="285750" indent="-285750" algn="l" defTabSz="457200" rtl="0" eaLnBrk="1" latinLnBrk="0" hangingPunct="1">
@@ -7149,50 +7149,84 @@
               <a:buNone/>
             </a:pPr>
             <a:r>
-              <a:rPr lang="th-TH" sz="2000" dirty="0" smtClean="0"/>
+              <a:rPr lang="th-TH" sz="2100" dirty="0" smtClean="0"/>
               <a:t>เอาชีวิตรอด </a:t>
             </a:r>
             <a:r>
-              <a:rPr lang="th-TH" sz="2000" dirty="0"/>
+              <a:rPr lang="th-TH" sz="2100" dirty="0"/>
               <a:t>  </a:t>
             </a:r>
-            <a:r>
-              <a:rPr lang="th-TH" sz="2000" dirty="0" smtClean="0"/>
-              <a:t>ความ</a:t>
-            </a:r>
-            <a:r>
-              <a:rPr lang="th-TH" sz="2000" dirty="0" smtClean="0"/>
-              <a:t>ตื่นเต้น ความแค้น ความโกรธ</a:t>
-            </a:r>
-            <a:endParaRPr lang="th-TH" sz="2000" dirty="0" smtClean="0"/>
+            <a:endParaRPr lang="th-TH" sz="2100" dirty="0" smtClean="0"/>
+          </a:p>
+          <a:p>
+            <a:pPr marL="0" indent="0">
+              <a:buNone/>
+            </a:pPr>
+            <a:endParaRPr lang="th-TH" sz="2100" dirty="0" smtClean="0"/>
+          </a:p>
+          <a:p>
+            <a:pPr marL="0" indent="0">
+              <a:buNone/>
+            </a:pPr>
+            <a:r>
+              <a:rPr lang="th-TH" sz="2100" dirty="0" smtClean="0"/>
+              <a:t>ความตื่นเต้น </a:t>
+            </a:r>
+          </a:p>
+          <a:p>
+            <a:pPr marL="0" indent="0">
+              <a:buNone/>
+            </a:pPr>
+            <a:r>
+              <a:rPr lang="th-TH" sz="2100" dirty="0"/>
+              <a:t>	</a:t>
+            </a:r>
+            <a:r>
+              <a:rPr lang="th-TH" sz="2100" dirty="0" smtClean="0"/>
+              <a:t>			</a:t>
+            </a:r>
+            <a:r>
+              <a:rPr lang="th-TH" sz="2100" dirty="0" smtClean="0"/>
+              <a:t>ความแค้น</a:t>
+            </a:r>
+          </a:p>
+          <a:p>
+            <a:pPr marL="0" indent="0">
+              <a:buNone/>
+            </a:pPr>
+            <a:r>
+              <a:rPr lang="th-TH" sz="2100" dirty="0" smtClean="0"/>
+              <a:t> ความโกรธ</a:t>
+            </a:r>
+            <a:endParaRPr lang="th-TH" sz="2100" dirty="0" smtClean="0"/>
           </a:p>
           <a:p>
             <a:pPr>
               <a:buFontTx/>
               <a:buChar char="-"/>
             </a:pPr>
-            <a:endParaRPr lang="th-TH" sz="2000" dirty="0" smtClean="0"/>
+            <a:endParaRPr lang="th-TH" sz="2100" dirty="0" smtClean="0"/>
           </a:p>
           <a:p>
             <a:pPr>
               <a:buFontTx/>
               <a:buChar char="-"/>
             </a:pPr>
-            <a:endParaRPr lang="th-TH" sz="2000" dirty="0"/>
+            <a:endParaRPr lang="th-TH" sz="2100" dirty="0"/>
           </a:p>
           <a:p>
             <a:pPr marL="914400" lvl="2" indent="0">
               <a:buNone/>
             </a:pPr>
             <a:r>
-              <a:rPr lang="th-TH" sz="2000" dirty="0" smtClean="0"/>
+              <a:rPr lang="th-TH" sz="2100" dirty="0" smtClean="0"/>
               <a:t>	  </a:t>
             </a:r>
             <a:r>
-              <a:rPr lang="th-TH" sz="2000" dirty="0" smtClean="0"/>
+              <a:rPr lang="th-TH" sz="2100" dirty="0" smtClean="0"/>
               <a:t>สนุก </a:t>
             </a:r>
-            <a:endParaRPr lang="en-US" sz="2000" dirty="0"/>
+            <a:endParaRPr lang="en-US" sz="2100" dirty="0"/>
           </a:p>
           <a:p>
             <a:pPr marL="0" indent="0">
@@ -7200,46 +7234,6 @@
               <a:buNone/>
             </a:pPr>
             <a:endParaRPr lang="en-US" dirty="0"/>
-          </a:p>
-        </p:txBody>
-      </p:sp>
-      <p:sp>
-        <p:nvSpPr>
-          <p:cNvPr id="4" name="ลูกศรลง 3"/>
-          <p:cNvSpPr/>
-          <p:nvPr/>
-        </p:nvSpPr>
-        <p:spPr>
-          <a:xfrm>
-            <a:off x="8780324" y="3654927"/>
-            <a:ext cx="629280" cy="724568"/>
-          </a:xfrm>
-          <a:prstGeom prst="downArrow">
-            <a:avLst/>
-          </a:prstGeom>
-        </p:spPr>
-        <p:style>
-          <a:lnRef idx="2">
-            <a:schemeClr val="accent1">
-              <a:shade val="50000"/>
-            </a:schemeClr>
-          </a:lnRef>
-          <a:fillRef idx="1">
-            <a:schemeClr val="accent1"/>
-          </a:fillRef>
-          <a:effectRef idx="0">
-            <a:schemeClr val="accent1"/>
-          </a:effectRef>
-          <a:fontRef idx="minor">
-            <a:schemeClr val="lt1"/>
-          </a:fontRef>
-        </p:style>
-        <p:txBody>
-          <a:bodyPr rtlCol="0" anchor="ctr"/>
-          <a:lstStyle/>
-          <a:p>
-            <a:pPr algn="ctr"/>
-            <a:endParaRPr lang="th-TH"/>
           </a:p>
         </p:txBody>
       </p:sp>
@@ -7288,6 +7282,138 @@
             <a:ext cx="1237061" cy="770022"/>
           </a:xfrm>
           <a:prstGeom prst="bentConnector3">
+            <a:avLst/>
+          </a:prstGeom>
+          <a:ln>
+            <a:tailEnd type="triangle"/>
+          </a:ln>
+        </p:spPr>
+        <p:style>
+          <a:lnRef idx="1">
+            <a:schemeClr val="accent1"/>
+          </a:lnRef>
+          <a:fillRef idx="0">
+            <a:schemeClr val="accent1"/>
+          </a:fillRef>
+          <a:effectRef idx="0">
+            <a:schemeClr val="accent1"/>
+          </a:effectRef>
+          <a:fontRef idx="minor">
+            <a:schemeClr val="tx1"/>
+          </a:fontRef>
+        </p:style>
+      </p:cxnSp>
+      <p:cxnSp>
+        <p:nvCxnSpPr>
+          <p:cNvPr id="18" name="ลูกศรเชื่อมต่อแบบตรง 17"/>
+          <p:cNvCxnSpPr/>
+          <p:nvPr/>
+        </p:nvCxnSpPr>
+        <p:spPr>
+          <a:xfrm flipV="1">
+            <a:off x="8293768" y="4216400"/>
+            <a:ext cx="930443" cy="323516"/>
+          </a:xfrm>
+          <a:prstGeom prst="straightConnector1">
+            <a:avLst/>
+          </a:prstGeom>
+          <a:ln>
+            <a:tailEnd type="triangle"/>
+          </a:ln>
+        </p:spPr>
+        <p:style>
+          <a:lnRef idx="1">
+            <a:schemeClr val="accent1"/>
+          </a:lnRef>
+          <a:fillRef idx="0">
+            <a:schemeClr val="accent1"/>
+          </a:fillRef>
+          <a:effectRef idx="0">
+            <a:schemeClr val="accent1"/>
+          </a:effectRef>
+          <a:fontRef idx="minor">
+            <a:schemeClr val="tx1"/>
+          </a:fontRef>
+        </p:style>
+      </p:cxnSp>
+      <p:cxnSp>
+        <p:nvCxnSpPr>
+          <p:cNvPr id="23" name="ลูกศรเชื่อมต่อแบบตรง 22"/>
+          <p:cNvCxnSpPr/>
+          <p:nvPr/>
+        </p:nvCxnSpPr>
+        <p:spPr>
+          <a:xfrm>
+            <a:off x="7860632" y="3272589"/>
+            <a:ext cx="0" cy="352927"/>
+          </a:xfrm>
+          <a:prstGeom prst="straightConnector1">
+            <a:avLst/>
+          </a:prstGeom>
+          <a:ln>
+            <a:tailEnd type="triangle"/>
+          </a:ln>
+        </p:spPr>
+        <p:style>
+          <a:lnRef idx="1">
+            <a:schemeClr val="accent1"/>
+          </a:lnRef>
+          <a:fillRef idx="0">
+            <a:schemeClr val="accent1"/>
+          </a:fillRef>
+          <a:effectRef idx="0">
+            <a:schemeClr val="accent1"/>
+          </a:effectRef>
+          <a:fontRef idx="minor">
+            <a:schemeClr val="tx1"/>
+          </a:fontRef>
+        </p:style>
+      </p:cxnSp>
+      <p:cxnSp>
+        <p:nvCxnSpPr>
+          <p:cNvPr id="25" name="ลูกศรเชื่อมต่อแบบตรง 24"/>
+          <p:cNvCxnSpPr/>
+          <p:nvPr/>
+        </p:nvCxnSpPr>
+        <p:spPr>
+          <a:xfrm flipH="1">
+            <a:off x="9224211" y="4331368"/>
+            <a:ext cx="481263" cy="962527"/>
+          </a:xfrm>
+          <a:prstGeom prst="straightConnector1">
+            <a:avLst/>
+          </a:prstGeom>
+          <a:ln>
+            <a:tailEnd type="triangle"/>
+          </a:ln>
+        </p:spPr>
+        <p:style>
+          <a:lnRef idx="1">
+            <a:schemeClr val="accent1"/>
+          </a:lnRef>
+          <a:fillRef idx="0">
+            <a:schemeClr val="accent1"/>
+          </a:fillRef>
+          <a:effectRef idx="0">
+            <a:schemeClr val="accent1"/>
+          </a:effectRef>
+          <a:fontRef idx="minor">
+            <a:schemeClr val="tx1"/>
+          </a:fontRef>
+        </p:style>
+      </p:cxnSp>
+      <p:cxnSp>
+        <p:nvCxnSpPr>
+          <p:cNvPr id="27" name="ลูกศรเชื่อมต่อแบบตรง 26"/>
+          <p:cNvCxnSpPr/>
+          <p:nvPr/>
+        </p:nvCxnSpPr>
+        <p:spPr>
+          <a:xfrm>
+            <a:off x="8293768" y="3930316"/>
+            <a:ext cx="737937" cy="1363579"/>
+          </a:xfrm>
+          <a:prstGeom prst="straightConnector1">
             <a:avLst/>
           </a:prstGeom>
           <a:ln>
